--- a/Share/游戏技术分享/Mecanim动画分享/动画之timelime.pptx
+++ b/Share/游戏技术分享/Mecanim动画分享/动画之timelime.pptx
@@ -5,19 +5,21 @@
     <p:sldMasterId id="2147483648" r:id="rId1"/>
   </p:sldMasterIdLst>
   <p:notesMasterIdLst>
-    <p:notesMasterId r:id="rId7"/>
+    <p:notesMasterId r:id="rId9"/>
   </p:notesMasterIdLst>
   <p:sldIdLst>
     <p:sldId id="256" r:id="rId2"/>
     <p:sldId id="269" r:id="rId3"/>
     <p:sldId id="271" r:id="rId4"/>
-    <p:sldId id="272" r:id="rId5"/>
-    <p:sldId id="261" r:id="rId6"/>
+    <p:sldId id="273" r:id="rId5"/>
+    <p:sldId id="274" r:id="rId6"/>
+    <p:sldId id="272" r:id="rId7"/>
+    <p:sldId id="261" r:id="rId8"/>
   </p:sldIdLst>
   <p:sldSz cx="12192000" cy="6858000"/>
   <p:notesSz cx="6858000" cy="9144000"/>
   <p:custDataLst>
-    <p:tags r:id="rId8"/>
+    <p:tags r:id="rId10"/>
   </p:custDataLst>
   <p:defaultTextStyle>
     <a:defPPr>
@@ -204,7 +206,7 @@
           <a:p>
             <a:fld id="{E86D8963-CFCD-4740-AF60-049850373CDF}" type="datetimeFigureOut">
               <a:rPr lang="zh-CN" altLang="en-US" smtClean="0"/>
-              <a:t>2018/6/23</a:t>
+              <a:t>2018/10/21</a:t>
             </a:fld>
             <a:endParaRPr lang="zh-CN" altLang="en-US"/>
           </a:p>
@@ -1631,7 +1633,7 @@
             <a:fld id="{6489D9C7-5DC6-4263-87FF-7C99F6FB63C3}" type="datetime1">
               <a:rPr lang="zh-CN" altLang="en-US" smtClean="0"/>
               <a:pPr/>
-              <a:t>2018/6/23</a:t>
+              <a:t>2018/10/21</a:t>
             </a:fld>
             <a:endParaRPr lang="zh-CN" altLang="en-US"/>
           </a:p>
@@ -1895,7 +1897,7 @@
             <a:fld id="{6489D9C7-5DC6-4263-87FF-7C99F6FB63C3}" type="datetime1">
               <a:rPr lang="zh-CN" altLang="en-US" smtClean="0"/>
               <a:pPr/>
-              <a:t>2018/6/23</a:t>
+              <a:t>2018/10/21</a:t>
             </a:fld>
             <a:endParaRPr lang="zh-CN" altLang="en-US"/>
           </a:p>
@@ -2682,7 +2684,7 @@
             <a:fld id="{6489D9C7-5DC6-4263-87FF-7C99F6FB63C3}" type="datetime1">
               <a:rPr lang="zh-CN" altLang="en-US" smtClean="0"/>
               <a:pPr/>
-              <a:t>2018/6/23</a:t>
+              <a:t>2018/10/21</a:t>
             </a:fld>
             <a:endParaRPr lang="zh-CN" altLang="en-US"/>
           </a:p>
@@ -3169,7 +3171,7 @@
           <a:graphicData uri="http://schemas.openxmlformats.org/presentationml/2006/ole">
             <mc:AlternateContent xmlns:mc="http://schemas.openxmlformats.org/markup-compatibility/2006">
               <mc:Choice xmlns:v="urn:schemas-microsoft-com:vml" Requires="v">
-                <p:oleObj spid="_x0000_s1118" name="think-cell Slide" r:id="rId6" imgW="347" imgH="348" progId="TCLayout.ActiveDocument.1">
+                <p:oleObj spid="_x0000_s1143" name="think-cell Slide" r:id="rId6" imgW="347" imgH="348" progId="TCLayout.ActiveDocument.1">
                   <p:embed/>
                 </p:oleObj>
               </mc:Choice>
@@ -3655,98 +3657,6 @@
                   </a:lnSpc>
                 </a:pPr>
                 <a:r>
-                  <a:rPr lang="en-US" altLang="zh-CN" b="0" dirty="0">
-                    <a:latin typeface="+mn-lt"/>
-                    <a:ea typeface="+mn-ea"/>
-                    <a:sym typeface="+mn-lt"/>
-                  </a:rPr>
-                  <a:t>1.</a:t>
-                </a:r>
-                <a:r>
-                  <a:rPr lang="zh-CN" altLang="en-US" b="0" dirty="0">
-                    <a:latin typeface="+mn-lt"/>
-                    <a:ea typeface="+mn-ea"/>
-                    <a:sym typeface="+mn-lt"/>
-                  </a:rPr>
-                  <a:t>导入动画资源 </a:t>
-                </a:r>
-                <a:r>
-                  <a:rPr lang="en-US" altLang="zh-CN" b="0" dirty="0">
-                    <a:latin typeface="+mn-lt"/>
-                    <a:ea typeface="+mn-ea"/>
-                    <a:sym typeface="+mn-lt"/>
-                  </a:rPr>
-                  <a:t>idle</a:t>
-                </a:r>
-                <a:r>
-                  <a:rPr lang="zh-CN" altLang="en-US" b="0" dirty="0">
-                    <a:latin typeface="+mn-lt"/>
-                    <a:ea typeface="+mn-ea"/>
-                    <a:sym typeface="+mn-lt"/>
-                  </a:rPr>
-                  <a:t>，</a:t>
-                </a:r>
-                <a:r>
-                  <a:rPr lang="en-US" altLang="zh-CN" b="0" dirty="0" err="1">
-                    <a:latin typeface="+mn-lt"/>
-                    <a:ea typeface="+mn-ea"/>
-                    <a:sym typeface="+mn-lt"/>
-                  </a:rPr>
-                  <a:t>valut</a:t>
-                </a:r>
-                <a:r>
-                  <a:rPr lang="zh-CN" altLang="en-US" b="0" dirty="0">
-                    <a:latin typeface="+mn-lt"/>
-                    <a:ea typeface="+mn-ea"/>
-                    <a:sym typeface="+mn-lt"/>
-                  </a:rPr>
-                  <a:t>，</a:t>
-                </a:r>
-                <a:r>
-                  <a:rPr lang="en-US" altLang="zh-CN" b="0" dirty="0">
-                    <a:latin typeface="+mn-lt"/>
-                    <a:ea typeface="+mn-ea"/>
-                    <a:sym typeface="+mn-lt"/>
-                  </a:rPr>
-                  <a:t>dying</a:t>
-                </a:r>
-                <a:r>
-                  <a:rPr lang="zh-CN" altLang="en-US" b="0" dirty="0">
-                    <a:latin typeface="+mn-lt"/>
-                    <a:ea typeface="+mn-ea"/>
-                    <a:sym typeface="+mn-lt"/>
-                  </a:rPr>
-                  <a:t>和人物资源</a:t>
-                </a:r>
-                <a:r>
-                  <a:rPr lang="en-US" altLang="zh-CN" b="0" dirty="0" err="1">
-                    <a:latin typeface="+mn-lt"/>
-                    <a:ea typeface="+mn-ea"/>
-                    <a:sym typeface="+mn-lt"/>
-                  </a:rPr>
-                  <a:t>DefaultAvatar</a:t>
-                </a:r>
-                <a:endParaRPr lang="en-US" altLang="zh-CN" b="0" dirty="0">
-                  <a:latin typeface="+mn-lt"/>
-                  <a:ea typeface="+mn-ea"/>
-                  <a:sym typeface="+mn-lt"/>
-                </a:endParaRPr>
-              </a:p>
-              <a:p>
-                <a:pPr>
-                  <a:lnSpc>
-                    <a:spcPct val="150000"/>
-                  </a:lnSpc>
-                </a:pPr>
-                <a:r>
-                  <a:rPr lang="en-US" altLang="zh-CN" b="0" dirty="0">
-                    <a:latin typeface="+mn-lt"/>
-                    <a:ea typeface="+mn-ea"/>
-                    <a:sym typeface="+mn-lt"/>
-                  </a:rPr>
-                  <a:t>2.</a:t>
-                </a:r>
-                <a:r>
                   <a:rPr lang="zh-CN" altLang="en-US" b="0" dirty="0">
                     <a:latin typeface="+mn-lt"/>
                     <a:ea typeface="+mn-ea"/>
@@ -3820,95 +3730,7 @@
                     <a:ea typeface="+mn-ea"/>
                     <a:sym typeface="+mn-lt"/>
                   </a:rPr>
-                  <a:t>3.</a:t>
-                </a:r>
-                <a:r>
-                  <a:rPr lang="zh-CN" altLang="en-US" b="0" dirty="0">
-                    <a:latin typeface="+mn-lt"/>
-                    <a:ea typeface="+mn-ea"/>
-                    <a:sym typeface="+mn-lt"/>
-                  </a:rPr>
-                  <a:t>新建文件夹</a:t>
-                </a:r>
-                <a:r>
-                  <a:rPr lang="en-US" altLang="zh-CN" b="0" dirty="0" err="1">
-                    <a:latin typeface="+mn-lt"/>
-                    <a:ea typeface="+mn-ea"/>
-                    <a:sym typeface="+mn-lt"/>
-                  </a:rPr>
-                  <a:t>AnimatorControllers</a:t>
-                </a:r>
-                <a:r>
-                  <a:rPr lang="en-US" altLang="zh-CN" b="0" dirty="0">
-                    <a:latin typeface="+mn-lt"/>
-                    <a:ea typeface="+mn-ea"/>
-                    <a:sym typeface="+mn-lt"/>
-                  </a:rPr>
-                  <a:t>,</a:t>
-                </a:r>
-                <a:r>
-                  <a:rPr lang="zh-CN" altLang="en-US" b="0" dirty="0">
-                    <a:latin typeface="+mn-lt"/>
-                    <a:ea typeface="+mn-ea"/>
-                    <a:sym typeface="+mn-lt"/>
-                  </a:rPr>
-                  <a:t>创建</a:t>
-                </a:r>
-                <a:r>
-                  <a:rPr lang="en-US" altLang="zh-CN" b="0" dirty="0">
-                    <a:latin typeface="+mn-lt"/>
-                    <a:ea typeface="+mn-ea"/>
-                    <a:sym typeface="+mn-lt"/>
-                  </a:rPr>
-                  <a:t>controller</a:t>
-                </a:r>
-                <a:r>
-                  <a:rPr lang="zh-CN" altLang="en-US" b="0" dirty="0">
-                    <a:latin typeface="+mn-lt"/>
-                    <a:ea typeface="+mn-ea"/>
-                    <a:sym typeface="+mn-lt"/>
-                  </a:rPr>
-                  <a:t>命名为</a:t>
-                </a:r>
-                <a:r>
-                  <a:rPr lang="en-US" altLang="zh-CN" b="0" dirty="0">
-                    <a:latin typeface="+mn-lt"/>
-                    <a:ea typeface="+mn-ea"/>
-                    <a:sym typeface="+mn-lt"/>
-                  </a:rPr>
-                  <a:t>palyer1,</a:t>
-                </a:r>
-                <a:r>
-                  <a:rPr lang="zh-CN" altLang="en-US" b="0" dirty="0">
-                    <a:latin typeface="+mn-lt"/>
-                    <a:ea typeface="+mn-ea"/>
-                    <a:sym typeface="+mn-lt"/>
-                  </a:rPr>
-                  <a:t>并把</a:t>
-                </a:r>
-                <a:r>
-                  <a:rPr lang="en-US" altLang="zh-CN" b="0" dirty="0">
-                    <a:latin typeface="+mn-lt"/>
-                    <a:ea typeface="+mn-ea"/>
-                    <a:sym typeface="+mn-lt"/>
-                  </a:rPr>
-                  <a:t>idle</a:t>
-                </a:r>
-                <a:r>
-                  <a:rPr lang="zh-CN" altLang="en-US" b="0" dirty="0">
-                    <a:latin typeface="+mn-lt"/>
-                    <a:ea typeface="+mn-ea"/>
-                    <a:sym typeface="+mn-lt"/>
-                  </a:rPr>
-                  <a:t>设置为默认状态</a:t>
-                </a:r>
-                <a:r>
-                  <a:rPr lang="en-US" altLang="zh-CN" b="0" dirty="0">
-                    <a:latin typeface="+mn-lt"/>
-                    <a:ea typeface="+mn-ea"/>
-                    <a:sym typeface="+mn-lt"/>
-                  </a:rPr>
-                  <a:t>4.Window-Timeline</a:t>
+                  <a:t>Window-Timeline</a:t>
                 </a:r>
                 <a:r>
                   <a:rPr lang="zh-CN" altLang="en-US" b="0" dirty="0">
@@ -3946,14 +3768,6 @@
                     <a:spcPct val="150000"/>
                   </a:lnSpc>
                 </a:pPr>
-                <a:r>
-                  <a:rPr lang="en-US" altLang="zh-CN" b="0" dirty="0">
-                    <a:latin typeface="+mn-lt"/>
-                    <a:ea typeface="+mn-ea"/>
-                    <a:sym typeface="+mn-lt"/>
-                  </a:rPr>
-                  <a:t>5.</a:t>
-                </a:r>
                 <a:r>
                   <a:rPr lang="zh-CN" altLang="en-US" b="0" dirty="0">
                     <a:latin typeface="+mn-lt"/>
@@ -4063,8 +3877,6 @@
                   <a:t> timeline)</a:t>
                 </a:r>
                 <a:endParaRPr lang="en-US" altLang="zh-CN" b="0" dirty="0">
-                  <a:latin typeface="+mn-lt"/>
-                  <a:ea typeface="+mn-ea"/>
                   <a:sym typeface="+mn-lt"/>
                 </a:endParaRPr>
               </a:p>
@@ -4074,86 +3886,6 @@
                     <a:spcPct val="150000"/>
                   </a:lnSpc>
                 </a:pPr>
-                <a:r>
-                  <a:rPr lang="en-US" altLang="zh-CN" b="0" dirty="0">
-                    <a:latin typeface="+mn-lt"/>
-                    <a:ea typeface="+mn-ea"/>
-                    <a:sym typeface="+mn-lt"/>
-                  </a:rPr>
-                  <a:t>6.</a:t>
-                </a:r>
-                <a:r>
-                  <a:rPr lang="en-US" altLang="zh-CN" sz="1400" b="0" dirty="0">
-                    <a:sym typeface="+mn-lt"/>
-                  </a:rPr>
-                  <a:t> Timeline</a:t>
-                </a:r>
-                <a:r>
-                  <a:rPr lang="zh-CN" altLang="en-US" sz="1400" b="0" dirty="0">
-                    <a:sym typeface="+mn-lt"/>
-                  </a:rPr>
-                  <a:t>物体的</a:t>
-                </a:r>
-                <a:r>
-                  <a:rPr lang="en-US" altLang="zh-CN" sz="1400" b="0" dirty="0" err="1">
-                    <a:sym typeface="+mn-lt"/>
-                  </a:rPr>
-                  <a:t>playerable</a:t>
-                </a:r>
-                <a:r>
-                  <a:rPr lang="en-US" altLang="zh-CN" sz="1400" b="0" dirty="0">
-                    <a:sym typeface="+mn-lt"/>
-                  </a:rPr>
-                  <a:t> Director</a:t>
-                </a:r>
-                <a:r>
-                  <a:rPr lang="zh-CN" altLang="en-US" sz="1400" b="0" dirty="0">
-                    <a:sym typeface="+mn-lt"/>
-                  </a:rPr>
-                  <a:t>的</a:t>
-                </a:r>
-                <a:r>
-                  <a:rPr lang="en-US" altLang="zh-CN" sz="1400" b="0" dirty="0" err="1">
-                    <a:sym typeface="+mn-lt"/>
-                  </a:rPr>
-                  <a:t>playerable</a:t>
-                </a:r>
-                <a:r>
-                  <a:rPr lang="zh-CN" altLang="en-US" sz="1400" b="0" dirty="0">
-                    <a:sym typeface="+mn-lt"/>
-                  </a:rPr>
-                  <a:t>，找到</a:t>
-                </a:r>
-                <a:r>
-                  <a:rPr lang="en-US" altLang="zh-CN" b="0" dirty="0">
-                    <a:sym typeface="+mn-lt"/>
-                  </a:rPr>
-                  <a:t>01-Learn </a:t>
-                </a:r>
-                <a:r>
-                  <a:rPr lang="zh-CN" altLang="en-US" b="0" dirty="0">
-                    <a:sym typeface="+mn-lt"/>
-                  </a:rPr>
-                  <a:t>拖进去</a:t>
-                </a:r>
-                <a:endParaRPr lang="en-US" altLang="zh-CN" b="0" dirty="0">
-                  <a:sym typeface="+mn-lt"/>
-                </a:endParaRPr>
-              </a:p>
-              <a:p>
-                <a:pPr>
-                  <a:lnSpc>
-                    <a:spcPct val="150000"/>
-                  </a:lnSpc>
-                </a:pPr>
-                <a:r>
-                  <a:rPr lang="en-US" altLang="zh-CN" b="0" dirty="0">
-                    <a:latin typeface="+mn-lt"/>
-                    <a:ea typeface="+mn-ea"/>
-                    <a:sym typeface="+mn-lt"/>
-                  </a:rPr>
-                  <a:t>7.</a:t>
-                </a:r>
                 <a:r>
                   <a:rPr lang="zh-CN" altLang="en-US" b="0" dirty="0">
                     <a:latin typeface="+mn-lt"/>
@@ -4887,6 +4619,36 @@
           </p:txBody>
         </p:sp>
       </p:grpSp>
+      <p:pic>
+        <p:nvPicPr>
+          <p:cNvPr id="3" name="图片 2">
+            <a:extLst>
+              <a:ext uri="{FF2B5EF4-FFF2-40B4-BE49-F238E27FC236}">
+                <a16:creationId xmlns:a16="http://schemas.microsoft.com/office/drawing/2014/main" id="{1CF91BF8-D22F-4AE9-91DC-4905EC57263F}"/>
+              </a:ext>
+            </a:extLst>
+          </p:cNvPr>
+          <p:cNvPicPr>
+            <a:picLocks noChangeAspect="1"/>
+          </p:cNvPicPr>
+          <p:nvPr/>
+        </p:nvPicPr>
+        <p:blipFill>
+          <a:blip r:embed="rId4"/>
+          <a:stretch>
+            <a:fillRect/>
+          </a:stretch>
+        </p:blipFill>
+        <p:spPr>
+          <a:xfrm>
+            <a:off x="3250040" y="3782608"/>
+            <a:ext cx="7986452" cy="2049958"/>
+          </a:xfrm>
+          <a:prstGeom prst="rect">
+            <a:avLst/>
+          </a:prstGeom>
+        </p:spPr>
+      </p:pic>
     </p:spTree>
     <p:extLst>
       <p:ext uri="{BB962C8B-B14F-4D97-AF65-F5344CB8AC3E}">
@@ -6034,6 +5796,36 @@
           </p:txBody>
         </p:sp>
       </p:grpSp>
+      <p:pic>
+        <p:nvPicPr>
+          <p:cNvPr id="3" name="图片 2">
+            <a:extLst>
+              <a:ext uri="{FF2B5EF4-FFF2-40B4-BE49-F238E27FC236}">
+                <a16:creationId xmlns:a16="http://schemas.microsoft.com/office/drawing/2014/main" id="{18CC1439-5FAF-4BEA-B0D3-961DC923EDAE}"/>
+              </a:ext>
+            </a:extLst>
+          </p:cNvPr>
+          <p:cNvPicPr>
+            <a:picLocks noChangeAspect="1"/>
+          </p:cNvPicPr>
+          <p:nvPr/>
+        </p:nvPicPr>
+        <p:blipFill>
+          <a:blip r:embed="rId3"/>
+          <a:stretch>
+            <a:fillRect/>
+          </a:stretch>
+        </p:blipFill>
+        <p:spPr>
+          <a:xfrm>
+            <a:off x="3202692" y="4203086"/>
+            <a:ext cx="7795936" cy="2491956"/>
+          </a:xfrm>
+          <a:prstGeom prst="rect">
+            <a:avLst/>
+          </a:prstGeom>
+        </p:spPr>
+      </p:pic>
     </p:spTree>
     <p:extLst>
       <p:ext uri="{BB962C8B-B14F-4D97-AF65-F5344CB8AC3E}">
@@ -6048,6 +5840,2122 @@
 </file>
 
 <file path=ppt/slides/slide4.xml><?xml version="1.0" encoding="utf-8"?>
+<p:sld xmlns:a="http://schemas.openxmlformats.org/drawingml/2006/main" xmlns:r="http://schemas.openxmlformats.org/officeDocument/2006/relationships" xmlns:p="http://schemas.openxmlformats.org/presentationml/2006/main">
+  <p:cSld>
+    <p:spTree>
+      <p:nvGrpSpPr>
+        <p:cNvPr id="1" name=""/>
+        <p:cNvGrpSpPr/>
+        <p:nvPr/>
+      </p:nvGrpSpPr>
+      <p:grpSpPr>
+        <a:xfrm>
+          <a:off x="0" y="0"/>
+          <a:ext cx="0" cy="0"/>
+          <a:chOff x="0" y="0"/>
+          <a:chExt cx="0" cy="0"/>
+        </a:xfrm>
+      </p:grpSpPr>
+      <p:grpSp>
+        <p:nvGrpSpPr>
+          <p:cNvPr id="2" name="组合 1">
+            <a:extLst>
+              <a:ext uri="{FF2B5EF4-FFF2-40B4-BE49-F238E27FC236}">
+                <a16:creationId xmlns:a16="http://schemas.microsoft.com/office/drawing/2014/main" id="{C0498D3A-B738-48EC-A39C-94C58B88932B}"/>
+              </a:ext>
+            </a:extLst>
+          </p:cNvPr>
+          <p:cNvGrpSpPr/>
+          <p:nvPr/>
+        </p:nvGrpSpPr>
+        <p:grpSpPr>
+          <a:xfrm>
+            <a:off x="714397" y="1700808"/>
+            <a:ext cx="10763205" cy="4083608"/>
+            <a:chOff x="757282" y="1700808"/>
+            <a:chExt cx="10763205" cy="4083608"/>
+          </a:xfrm>
+        </p:grpSpPr>
+        <p:grpSp>
+          <p:nvGrpSpPr>
+            <p:cNvPr id="6" name="2b751056-6b97-492c-b763-340acee7e99d" descr="本素材由iSlide™ 提供&#10;iSlide™尊重知识产权并注重保护用户享有的各项权利。郑重提醒您：&#10;iSlide™插件中提供的任何信息内容的所有权、知识产权归其原始权利人或权利受让人所有，您免费/购买获得的是信息内容的使用权，并受下述条款的约束；&#10;1. 您仅可以个人非商业用途使用该等信息内容，不可将信息内容的全部或部分用于出售，或以出租、出借、转让、分销、发布等其他任何方式供他人使用；&#10;2. 禁止在接入互联网或移动互联网的任何网站、平台、应用或程序上以任何方式为他人提供iSlide™插件资源内容的下载。&#10;The resource is supplied by iSlide™.&#10;iSlide™ respects all intellectual property rights and protects all the rights its users acquired.Solemnly remind you:&#10;The ownership and intellectual property of the resources supplied in iSlide Add-in belongs to its owner or the assignee of this ownership.you only acquired the usage of the resources supplied in iSlide Add-in, as well as respected the following restrain terms:&#10;1.You are only allowed to use such resource for personal and non-commercial aim, not allowed to use such resource or part of it for the sale; or rent, lend, transfer to others; or distribution or release it in any way.&#10;2.You are not permitted to provide the resource of iSlide Add-in in any website, platform, application access to the Internet or mobile Internet." title="iSlide™ 版权声明  COPYRIGHT NOTICE">
+              <a:extLst>
+                <a:ext uri="{FF2B5EF4-FFF2-40B4-BE49-F238E27FC236}">
+                  <a16:creationId xmlns:a16="http://schemas.microsoft.com/office/drawing/2014/main" id="{A759C196-DA28-4241-ABB5-975367026FE9}"/>
+                </a:ext>
+              </a:extLst>
+            </p:cNvPr>
+            <p:cNvGrpSpPr>
+              <a:grpSpLocks noChangeAspect="1"/>
+            </p:cNvGrpSpPr>
+            <p:nvPr>
+              <p:custDataLst>
+                <p:tags r:id="rId1"/>
+              </p:custDataLst>
+            </p:nvPr>
+          </p:nvGrpSpPr>
+          <p:grpSpPr>
+            <a:xfrm>
+              <a:off x="757282" y="1700808"/>
+              <a:ext cx="10763205" cy="4083608"/>
+              <a:chOff x="1175743" y="1700808"/>
+              <a:chExt cx="10344744" cy="4083608"/>
+            </a:xfrm>
+          </p:grpSpPr>
+          <p:sp>
+            <p:nvSpPr>
+              <p:cNvPr id="7" name="iṡľïḑè">
+                <a:extLst>
+                  <a:ext uri="{FF2B5EF4-FFF2-40B4-BE49-F238E27FC236}">
+                    <a16:creationId xmlns:a16="http://schemas.microsoft.com/office/drawing/2014/main" id="{48F70259-7598-4270-874A-6F50772D10F6}"/>
+                  </a:ext>
+                </a:extLst>
+              </p:cNvPr>
+              <p:cNvSpPr txBox="1"/>
+              <p:nvPr/>
+            </p:nvSpPr>
+            <p:spPr bwMode="auto">
+              <a:xfrm>
+                <a:off x="3822192" y="1780800"/>
+                <a:ext cx="7698295" cy="4003616"/>
+              </a:xfrm>
+              <a:prstGeom prst="rect">
+                <a:avLst/>
+              </a:prstGeom>
+              <a:noFill/>
+            </p:spPr>
+            <p:txBody>
+              <a:bodyPr wrap="square" tIns="0" anchor="t">
+                <a:noAutofit/>
+              </a:bodyPr>
+              <a:lstStyle>
+                <a:defPPr>
+                  <a:defRPr lang="zh-CN"/>
+                </a:defPPr>
+                <a:lvl1pPr>
+                  <a:defRPr sz="1600" b="1">
+                    <a:latin typeface="Arial" panose="020B0604020202020204" pitchFamily="34" charset="0"/>
+                    <a:ea typeface="微软雅黑" panose="020B0503020204020204" pitchFamily="34" charset="-122"/>
+                    <a:cs typeface="+mn-ea"/>
+                  </a:defRPr>
+                </a:lvl1pPr>
+                <a:lvl2pPr marL="742950" indent="-285750">
+                  <a:defRPr sz="3200" b="1">
+                    <a:solidFill>
+                      <a:srgbClr val="4D4D4D"/>
+                    </a:solidFill>
+                    <a:latin typeface="Arial" panose="020B0604020202020204" pitchFamily="34" charset="0"/>
+                    <a:ea typeface="黑体" panose="02010609060101010101" pitchFamily="49" charset="-122"/>
+                  </a:defRPr>
+                </a:lvl2pPr>
+                <a:lvl3pPr marL="1143000" indent="-228600">
+                  <a:defRPr sz="3200" b="1">
+                    <a:solidFill>
+                      <a:srgbClr val="4D4D4D"/>
+                    </a:solidFill>
+                    <a:latin typeface="Arial" panose="020B0604020202020204" pitchFamily="34" charset="0"/>
+                    <a:ea typeface="黑体" panose="02010609060101010101" pitchFamily="49" charset="-122"/>
+                  </a:defRPr>
+                </a:lvl3pPr>
+                <a:lvl4pPr marL="1600200" indent="-228600">
+                  <a:defRPr sz="3200" b="1">
+                    <a:solidFill>
+                      <a:srgbClr val="4D4D4D"/>
+                    </a:solidFill>
+                    <a:latin typeface="Arial" panose="020B0604020202020204" pitchFamily="34" charset="0"/>
+                    <a:ea typeface="黑体" panose="02010609060101010101" pitchFamily="49" charset="-122"/>
+                  </a:defRPr>
+                </a:lvl4pPr>
+                <a:lvl5pPr marL="2057400" indent="-228600">
+                  <a:defRPr sz="3200" b="1">
+                    <a:solidFill>
+                      <a:srgbClr val="4D4D4D"/>
+                    </a:solidFill>
+                    <a:latin typeface="Arial" panose="020B0604020202020204" pitchFamily="34" charset="0"/>
+                    <a:ea typeface="黑体" panose="02010609060101010101" pitchFamily="49" charset="-122"/>
+                  </a:defRPr>
+                </a:lvl5pPr>
+                <a:lvl6pPr marL="2514600" indent="-228600" eaLnBrk="0" fontAlgn="base" hangingPunct="0">
+                  <a:spcBef>
+                    <a:spcPct val="0"/>
+                  </a:spcBef>
+                  <a:spcAft>
+                    <a:spcPct val="0"/>
+                  </a:spcAft>
+                  <a:defRPr sz="3200" b="1">
+                    <a:solidFill>
+                      <a:srgbClr val="4D4D4D"/>
+                    </a:solidFill>
+                    <a:latin typeface="Arial" panose="020B0604020202020204" pitchFamily="34" charset="0"/>
+                    <a:ea typeface="黑体" panose="02010609060101010101" pitchFamily="49" charset="-122"/>
+                  </a:defRPr>
+                </a:lvl6pPr>
+                <a:lvl7pPr marL="2971800" indent="-228600" eaLnBrk="0" fontAlgn="base" hangingPunct="0">
+                  <a:spcBef>
+                    <a:spcPct val="0"/>
+                  </a:spcBef>
+                  <a:spcAft>
+                    <a:spcPct val="0"/>
+                  </a:spcAft>
+                  <a:defRPr sz="3200" b="1">
+                    <a:solidFill>
+                      <a:srgbClr val="4D4D4D"/>
+                    </a:solidFill>
+                    <a:latin typeface="Arial" panose="020B0604020202020204" pitchFamily="34" charset="0"/>
+                    <a:ea typeface="黑体" panose="02010609060101010101" pitchFamily="49" charset="-122"/>
+                  </a:defRPr>
+                </a:lvl7pPr>
+                <a:lvl8pPr marL="3429000" indent="-228600" eaLnBrk="0" fontAlgn="base" hangingPunct="0">
+                  <a:spcBef>
+                    <a:spcPct val="0"/>
+                  </a:spcBef>
+                  <a:spcAft>
+                    <a:spcPct val="0"/>
+                  </a:spcAft>
+                  <a:defRPr sz="3200" b="1">
+                    <a:solidFill>
+                      <a:srgbClr val="4D4D4D"/>
+                    </a:solidFill>
+                    <a:latin typeface="Arial" panose="020B0604020202020204" pitchFamily="34" charset="0"/>
+                    <a:ea typeface="黑体" panose="02010609060101010101" pitchFamily="49" charset="-122"/>
+                  </a:defRPr>
+                </a:lvl8pPr>
+                <a:lvl9pPr marL="3886200" indent="-228600" eaLnBrk="0" fontAlgn="base" hangingPunct="0">
+                  <a:spcBef>
+                    <a:spcPct val="0"/>
+                  </a:spcBef>
+                  <a:spcAft>
+                    <a:spcPct val="0"/>
+                  </a:spcAft>
+                  <a:defRPr sz="3200" b="1">
+                    <a:solidFill>
+                      <a:srgbClr val="4D4D4D"/>
+                    </a:solidFill>
+                    <a:latin typeface="Arial" panose="020B0604020202020204" pitchFamily="34" charset="0"/>
+                    <a:ea typeface="黑体" panose="02010609060101010101" pitchFamily="49" charset="-122"/>
+                  </a:defRPr>
+                </a:lvl9pPr>
+              </a:lstStyle>
+              <a:p>
+                <a:pPr>
+                  <a:lnSpc>
+                    <a:spcPct val="150000"/>
+                  </a:lnSpc>
+                </a:pPr>
+                <a:r>
+                  <a:rPr lang="zh-CN" altLang="en-US" b="0" dirty="0">
+                    <a:latin typeface="+mn-lt"/>
+                    <a:ea typeface="+mn-ea"/>
+                    <a:sym typeface="+mn-lt"/>
+                  </a:rPr>
+                  <a:t>右键可以转为</a:t>
+                </a:r>
+                <a:r>
+                  <a:rPr lang="en-US" altLang="zh-CN" b="0" dirty="0">
+                    <a:latin typeface="+mn-lt"/>
+                    <a:ea typeface="+mn-ea"/>
+                    <a:sym typeface="+mn-lt"/>
+                  </a:rPr>
+                  <a:t>clip-track,</a:t>
+                </a:r>
+                <a:r>
+                  <a:rPr lang="zh-CN" altLang="en-US" b="0" dirty="0">
+                    <a:latin typeface="+mn-lt"/>
+                    <a:ea typeface="+mn-ea"/>
+                    <a:sym typeface="+mn-lt"/>
+                  </a:rPr>
+                  <a:t>方便拖拽，拉伸 </a:t>
+                </a:r>
+                <a:endParaRPr lang="en-US" altLang="zh-CN" b="0" dirty="0">
+                  <a:latin typeface="+mn-lt"/>
+                  <a:ea typeface="+mn-ea"/>
+                  <a:sym typeface="+mn-lt"/>
+                </a:endParaRPr>
+              </a:p>
+            </p:txBody>
+          </p:sp>
+          <p:cxnSp>
+            <p:nvCxnSpPr>
+              <p:cNvPr id="8" name="直接连接符 7">
+                <a:extLst>
+                  <a:ext uri="{FF2B5EF4-FFF2-40B4-BE49-F238E27FC236}">
+                    <a16:creationId xmlns:a16="http://schemas.microsoft.com/office/drawing/2014/main" id="{DA1FB18E-FA01-4588-BEF9-FB96A98A84D4}"/>
+                  </a:ext>
+                </a:extLst>
+              </p:cNvPr>
+              <p:cNvCxnSpPr>
+                <a:cxnSpLocks/>
+              </p:cNvCxnSpPr>
+              <p:nvPr/>
+            </p:nvCxnSpPr>
+            <p:spPr>
+              <a:xfrm>
+                <a:off x="3696888" y="1780800"/>
+                <a:ext cx="0" cy="4003616"/>
+              </a:xfrm>
+              <a:prstGeom prst="line">
+                <a:avLst/>
+              </a:prstGeom>
+              <a:solidFill>
+                <a:srgbClr val="FFCC00"/>
+              </a:solidFill>
+              <a:ln w="3175" cap="flat" cmpd="sng" algn="ctr">
+                <a:solidFill>
+                  <a:schemeClr val="bg1">
+                    <a:lumMod val="75000"/>
+                  </a:schemeClr>
+                </a:solidFill>
+                <a:prstDash val="solid"/>
+                <a:round/>
+                <a:headEnd type="none" w="med" len="med"/>
+                <a:tailEnd type="none" w="med" len="med"/>
+              </a:ln>
+              <a:effectLst/>
+            </p:spPr>
+          </p:cxnSp>
+          <p:sp>
+            <p:nvSpPr>
+              <p:cNvPr id="9" name="išľïḋé">
+                <a:extLst>
+                  <a:ext uri="{FF2B5EF4-FFF2-40B4-BE49-F238E27FC236}">
+                    <a16:creationId xmlns:a16="http://schemas.microsoft.com/office/drawing/2014/main" id="{0DB1D0A1-2667-455C-9387-D7ABF0A00B8C}"/>
+                  </a:ext>
+                </a:extLst>
+              </p:cNvPr>
+              <p:cNvSpPr txBox="1"/>
+              <p:nvPr/>
+            </p:nvSpPr>
+            <p:spPr>
+              <a:xfrm>
+                <a:off x="1175743" y="1700808"/>
+                <a:ext cx="2521108" cy="954107"/>
+              </a:xfrm>
+              <a:prstGeom prst="rect">
+                <a:avLst/>
+              </a:prstGeom>
+              <a:solidFill>
+                <a:schemeClr val="bg1"/>
+              </a:solidFill>
+            </p:spPr>
+            <p:txBody>
+              <a:bodyPr wrap="square" rtlCol="0">
+                <a:spAutoFit/>
+              </a:bodyPr>
+              <a:lstStyle/>
+              <a:p>
+                <a:pPr algn="r"/>
+                <a:r>
+                  <a:rPr lang="en-US" altLang="zh-CN" sz="2800" b="1" dirty="0">
+                    <a:solidFill>
+                      <a:schemeClr val="accent1"/>
+                    </a:solidFill>
+                    <a:cs typeface="+mn-ea"/>
+                    <a:sym typeface="+mn-lt"/>
+                  </a:rPr>
+                  <a:t>Timeline</a:t>
+                </a:r>
+                <a:r>
+                  <a:rPr lang="zh-CN" altLang="en-US" sz="2800" b="1" dirty="0">
+                    <a:solidFill>
+                      <a:schemeClr val="accent1"/>
+                    </a:solidFill>
+                    <a:cs typeface="+mn-ea"/>
+                    <a:sym typeface="+mn-lt"/>
+                  </a:rPr>
+                  <a:t>物体演示</a:t>
+                </a:r>
+                <a:endParaRPr lang="tr-TR" sz="2800" b="1" dirty="0">
+                  <a:solidFill>
+                    <a:schemeClr val="accent1"/>
+                  </a:solidFill>
+                  <a:cs typeface="+mn-ea"/>
+                  <a:sym typeface="+mn-lt"/>
+                </a:endParaRPr>
+              </a:p>
+            </p:txBody>
+          </p:sp>
+        </p:grpSp>
+        <p:sp>
+          <p:nvSpPr>
+            <p:cNvPr id="10" name="poetry_91022">
+              <a:extLst>
+                <a:ext uri="{FF2B5EF4-FFF2-40B4-BE49-F238E27FC236}">
+                  <a16:creationId xmlns:a16="http://schemas.microsoft.com/office/drawing/2014/main" id="{ADAD6BE3-DC11-4582-9F68-50D831ADD001}"/>
+                </a:ext>
+              </a:extLst>
+            </p:cNvPr>
+            <p:cNvSpPr>
+              <a:spLocks noChangeAspect="1"/>
+            </p:cNvSpPr>
+            <p:nvPr/>
+          </p:nvSpPr>
+          <p:spPr bwMode="auto">
+            <a:xfrm>
+              <a:off x="2379533" y="4867348"/>
+              <a:ext cx="870506" cy="915667"/>
+            </a:xfrm>
+            <a:custGeom>
+              <a:avLst/>
+              <a:gdLst>
+                <a:gd name="T0" fmla="*/ 3353 w 5127"/>
+                <a:gd name="T1" fmla="*/ 1728 h 5401"/>
+                <a:gd name="T2" fmla="*/ 2183 w 5127"/>
+                <a:gd name="T3" fmla="*/ 1608 h 5401"/>
+                <a:gd name="T4" fmla="*/ 3353 w 5127"/>
+                <a:gd name="T5" fmla="*/ 1488 h 5401"/>
+                <a:gd name="T6" fmla="*/ 3103 w 5127"/>
+                <a:gd name="T7" fmla="*/ 2231 h 5401"/>
+                <a:gd name="T8" fmla="*/ 3103 w 5127"/>
+                <a:gd name="T9" fmla="*/ 1991 h 5401"/>
+                <a:gd name="T10" fmla="*/ 2432 w 5127"/>
+                <a:gd name="T11" fmla="*/ 2111 h 5401"/>
+                <a:gd name="T12" fmla="*/ 3103 w 5127"/>
+                <a:gd name="T13" fmla="*/ 2231 h 5401"/>
+                <a:gd name="T14" fmla="*/ 3353 w 5127"/>
+                <a:gd name="T15" fmla="*/ 2648 h 5401"/>
+                <a:gd name="T16" fmla="*/ 2183 w 5127"/>
+                <a:gd name="T17" fmla="*/ 2768 h 5401"/>
+                <a:gd name="T18" fmla="*/ 3353 w 5127"/>
+                <a:gd name="T19" fmla="*/ 2888 h 5401"/>
+                <a:gd name="T20" fmla="*/ 2552 w 5127"/>
+                <a:gd name="T21" fmla="*/ 3151 h 5401"/>
+                <a:gd name="T22" fmla="*/ 2552 w 5127"/>
+                <a:gd name="T23" fmla="*/ 3391 h 5401"/>
+                <a:gd name="T24" fmla="*/ 3223 w 5127"/>
+                <a:gd name="T25" fmla="*/ 3271 h 5401"/>
+                <a:gd name="T26" fmla="*/ 2552 w 5127"/>
+                <a:gd name="T27" fmla="*/ 3151 h 5401"/>
+                <a:gd name="T28" fmla="*/ 4448 w 5127"/>
+                <a:gd name="T29" fmla="*/ 1442 h 5401"/>
+                <a:gd name="T30" fmla="*/ 4688 w 5127"/>
+                <a:gd name="T31" fmla="*/ 1442 h 5401"/>
+                <a:gd name="T32" fmla="*/ 3988 w 5127"/>
+                <a:gd name="T33" fmla="*/ 0 h 5401"/>
+                <a:gd name="T34" fmla="*/ 0 w 5127"/>
+                <a:gd name="T35" fmla="*/ 604 h 5401"/>
+                <a:gd name="T36" fmla="*/ 120 w 5127"/>
+                <a:gd name="T37" fmla="*/ 1792 h 5401"/>
+                <a:gd name="T38" fmla="*/ 686 w 5127"/>
+                <a:gd name="T39" fmla="*/ 1672 h 5401"/>
+                <a:gd name="T40" fmla="*/ 240 w 5127"/>
+                <a:gd name="T41" fmla="*/ 1552 h 5401"/>
+                <a:gd name="T42" fmla="*/ 604 w 5127"/>
+                <a:gd name="T43" fmla="*/ 240 h 5401"/>
+                <a:gd name="T44" fmla="*/ 968 w 5127"/>
+                <a:gd name="T45" fmla="*/ 4179 h 5401"/>
+                <a:gd name="T46" fmla="*/ 3904 w 5127"/>
+                <a:gd name="T47" fmla="*/ 4879 h 5401"/>
+                <a:gd name="T48" fmla="*/ 3904 w 5127"/>
+                <a:gd name="T49" fmla="*/ 4639 h 5401"/>
+                <a:gd name="T50" fmla="*/ 1208 w 5127"/>
+                <a:gd name="T51" fmla="*/ 4179 h 5401"/>
+                <a:gd name="T52" fmla="*/ 1086 w 5127"/>
+                <a:gd name="T53" fmla="*/ 240 h 5401"/>
+                <a:gd name="T54" fmla="*/ 4448 w 5127"/>
+                <a:gd name="T55" fmla="*/ 700 h 5401"/>
+                <a:gd name="T56" fmla="*/ 4568 w 5127"/>
+                <a:gd name="T57" fmla="*/ 2000 h 5401"/>
+                <a:gd name="T58" fmla="*/ 4568 w 5127"/>
+                <a:gd name="T59" fmla="*/ 2240 h 5401"/>
+                <a:gd name="T60" fmla="*/ 4887 w 5127"/>
+                <a:gd name="T61" fmla="*/ 2340 h 5401"/>
+                <a:gd name="T62" fmla="*/ 5007 w 5127"/>
+                <a:gd name="T63" fmla="*/ 3838 h 5401"/>
+                <a:gd name="T64" fmla="*/ 5127 w 5127"/>
+                <a:gd name="T65" fmla="*/ 2340 h 5401"/>
+                <a:gd name="T66" fmla="*/ 4568 w 5127"/>
+                <a:gd name="T67" fmla="*/ 5139 h 5401"/>
+                <a:gd name="T68" fmla="*/ 4448 w 5127"/>
+                <a:gd name="T69" fmla="*/ 5281 h 5401"/>
+                <a:gd name="T70" fmla="*/ 4688 w 5127"/>
+                <a:gd name="T71" fmla="*/ 5281 h 5401"/>
+                <a:gd name="T72" fmla="*/ 4568 w 5127"/>
+                <a:gd name="T73" fmla="*/ 5139 h 5401"/>
+                <a:gd name="T74" fmla="*/ 4448 w 5127"/>
+                <a:gd name="T75" fmla="*/ 2559 h 5401"/>
+                <a:gd name="T76" fmla="*/ 4568 w 5127"/>
+                <a:gd name="T77" fmla="*/ 4974 h 5401"/>
+                <a:gd name="T78" fmla="*/ 4688 w 5127"/>
+                <a:gd name="T79" fmla="*/ 2559 h 5401"/>
+              </a:gdLst>
+              <a:ahLst/>
+              <a:cxnLst>
+                <a:cxn ang="0">
+                  <a:pos x="T0" y="T1"/>
+                </a:cxn>
+                <a:cxn ang="0">
+                  <a:pos x="T2" y="T3"/>
+                </a:cxn>
+                <a:cxn ang="0">
+                  <a:pos x="T4" y="T5"/>
+                </a:cxn>
+                <a:cxn ang="0">
+                  <a:pos x="T6" y="T7"/>
+                </a:cxn>
+                <a:cxn ang="0">
+                  <a:pos x="T8" y="T9"/>
+                </a:cxn>
+                <a:cxn ang="0">
+                  <a:pos x="T10" y="T11"/>
+                </a:cxn>
+                <a:cxn ang="0">
+                  <a:pos x="T12" y="T13"/>
+                </a:cxn>
+                <a:cxn ang="0">
+                  <a:pos x="T14" y="T15"/>
+                </a:cxn>
+                <a:cxn ang="0">
+                  <a:pos x="T16" y="T17"/>
+                </a:cxn>
+                <a:cxn ang="0">
+                  <a:pos x="T18" y="T19"/>
+                </a:cxn>
+                <a:cxn ang="0">
+                  <a:pos x="T20" y="T21"/>
+                </a:cxn>
+                <a:cxn ang="0">
+                  <a:pos x="T22" y="T23"/>
+                </a:cxn>
+                <a:cxn ang="0">
+                  <a:pos x="T24" y="T25"/>
+                </a:cxn>
+                <a:cxn ang="0">
+                  <a:pos x="T26" y="T27"/>
+                </a:cxn>
+                <a:cxn ang="0">
+                  <a:pos x="T28" y="T29"/>
+                </a:cxn>
+                <a:cxn ang="0">
+                  <a:pos x="T30" y="T31"/>
+                </a:cxn>
+                <a:cxn ang="0">
+                  <a:pos x="T32" y="T33"/>
+                </a:cxn>
+                <a:cxn ang="0">
+                  <a:pos x="T34" y="T35"/>
+                </a:cxn>
+                <a:cxn ang="0">
+                  <a:pos x="T36" y="T37"/>
+                </a:cxn>
+                <a:cxn ang="0">
+                  <a:pos x="T38" y="T39"/>
+                </a:cxn>
+                <a:cxn ang="0">
+                  <a:pos x="T40" y="T41"/>
+                </a:cxn>
+                <a:cxn ang="0">
+                  <a:pos x="T42" y="T43"/>
+                </a:cxn>
+                <a:cxn ang="0">
+                  <a:pos x="T44" y="T45"/>
+                </a:cxn>
+                <a:cxn ang="0">
+                  <a:pos x="T46" y="T47"/>
+                </a:cxn>
+                <a:cxn ang="0">
+                  <a:pos x="T48" y="T49"/>
+                </a:cxn>
+                <a:cxn ang="0">
+                  <a:pos x="T50" y="T51"/>
+                </a:cxn>
+                <a:cxn ang="0">
+                  <a:pos x="T52" y="T53"/>
+                </a:cxn>
+                <a:cxn ang="0">
+                  <a:pos x="T54" y="T55"/>
+                </a:cxn>
+                <a:cxn ang="0">
+                  <a:pos x="T56" y="T57"/>
+                </a:cxn>
+                <a:cxn ang="0">
+                  <a:pos x="T58" y="T59"/>
+                </a:cxn>
+                <a:cxn ang="0">
+                  <a:pos x="T60" y="T61"/>
+                </a:cxn>
+                <a:cxn ang="0">
+                  <a:pos x="T62" y="T63"/>
+                </a:cxn>
+                <a:cxn ang="0">
+                  <a:pos x="T64" y="T65"/>
+                </a:cxn>
+                <a:cxn ang="0">
+                  <a:pos x="T66" y="T67"/>
+                </a:cxn>
+                <a:cxn ang="0">
+                  <a:pos x="T68" y="T69"/>
+                </a:cxn>
+                <a:cxn ang="0">
+                  <a:pos x="T70" y="T71"/>
+                </a:cxn>
+                <a:cxn ang="0">
+                  <a:pos x="T72" y="T73"/>
+                </a:cxn>
+                <a:cxn ang="0">
+                  <a:pos x="T74" y="T75"/>
+                </a:cxn>
+                <a:cxn ang="0">
+                  <a:pos x="T76" y="T77"/>
+                </a:cxn>
+                <a:cxn ang="0">
+                  <a:pos x="T78" y="T79"/>
+                </a:cxn>
+              </a:cxnLst>
+              <a:rect l="0" t="0" r="r" b="b"/>
+              <a:pathLst>
+                <a:path w="5127" h="5401">
+                  <a:moveTo>
+                    <a:pt x="3473" y="1608"/>
+                  </a:moveTo>
+                  <a:cubicBezTo>
+                    <a:pt x="3473" y="1674"/>
+                    <a:pt x="3419" y="1728"/>
+                    <a:pt x="3353" y="1728"/>
+                  </a:cubicBezTo>
+                  <a:lnTo>
+                    <a:pt x="2303" y="1728"/>
+                  </a:lnTo>
+                  <a:cubicBezTo>
+                    <a:pt x="2236" y="1728"/>
+                    <a:pt x="2183" y="1674"/>
+                    <a:pt x="2183" y="1608"/>
+                  </a:cubicBezTo>
+                  <a:cubicBezTo>
+                    <a:pt x="2183" y="1542"/>
+                    <a:pt x="2236" y="1488"/>
+                    <a:pt x="2303" y="1488"/>
+                  </a:cubicBezTo>
+                  <a:lnTo>
+                    <a:pt x="3353" y="1488"/>
+                  </a:lnTo>
+                  <a:cubicBezTo>
+                    <a:pt x="3419" y="1488"/>
+                    <a:pt x="3473" y="1542"/>
+                    <a:pt x="3473" y="1608"/>
+                  </a:cubicBezTo>
+                  <a:close/>
+                  <a:moveTo>
+                    <a:pt x="3103" y="2231"/>
+                  </a:moveTo>
+                  <a:cubicBezTo>
+                    <a:pt x="3170" y="2231"/>
+                    <a:pt x="3223" y="2178"/>
+                    <a:pt x="3223" y="2111"/>
+                  </a:cubicBezTo>
+                  <a:cubicBezTo>
+                    <a:pt x="3223" y="2045"/>
+                    <a:pt x="3170" y="1991"/>
+                    <a:pt x="3103" y="1991"/>
+                  </a:cubicBezTo>
+                  <a:lnTo>
+                    <a:pt x="2552" y="1991"/>
+                  </a:lnTo>
+                  <a:cubicBezTo>
+                    <a:pt x="2486" y="1991"/>
+                    <a:pt x="2432" y="2045"/>
+                    <a:pt x="2432" y="2111"/>
+                  </a:cubicBezTo>
+                  <a:cubicBezTo>
+                    <a:pt x="2432" y="2178"/>
+                    <a:pt x="2486" y="2231"/>
+                    <a:pt x="2552" y="2231"/>
+                  </a:cubicBezTo>
+                  <a:lnTo>
+                    <a:pt x="3103" y="2231"/>
+                  </a:lnTo>
+                  <a:close/>
+                  <a:moveTo>
+                    <a:pt x="3473" y="2768"/>
+                  </a:moveTo>
+                  <a:cubicBezTo>
+                    <a:pt x="3473" y="2701"/>
+                    <a:pt x="3419" y="2648"/>
+                    <a:pt x="3353" y="2648"/>
+                  </a:cubicBezTo>
+                  <a:lnTo>
+                    <a:pt x="2303" y="2648"/>
+                  </a:lnTo>
+                  <a:cubicBezTo>
+                    <a:pt x="2236" y="2648"/>
+                    <a:pt x="2183" y="2701"/>
+                    <a:pt x="2183" y="2768"/>
+                  </a:cubicBezTo>
+                  <a:cubicBezTo>
+                    <a:pt x="2183" y="2834"/>
+                    <a:pt x="2236" y="2888"/>
+                    <a:pt x="2303" y="2888"/>
+                  </a:cubicBezTo>
+                  <a:lnTo>
+                    <a:pt x="3353" y="2888"/>
+                  </a:lnTo>
+                  <a:cubicBezTo>
+                    <a:pt x="3419" y="2888"/>
+                    <a:pt x="3473" y="2834"/>
+                    <a:pt x="3473" y="2768"/>
+                  </a:cubicBezTo>
+                  <a:close/>
+                  <a:moveTo>
+                    <a:pt x="2552" y="3151"/>
+                  </a:moveTo>
+                  <a:cubicBezTo>
+                    <a:pt x="2486" y="3151"/>
+                    <a:pt x="2432" y="3205"/>
+                    <a:pt x="2432" y="3271"/>
+                  </a:cubicBezTo>
+                  <a:cubicBezTo>
+                    <a:pt x="2432" y="3338"/>
+                    <a:pt x="2486" y="3391"/>
+                    <a:pt x="2552" y="3391"/>
+                  </a:cubicBezTo>
+                  <a:lnTo>
+                    <a:pt x="3103" y="3391"/>
+                  </a:lnTo>
+                  <a:cubicBezTo>
+                    <a:pt x="3170" y="3391"/>
+                    <a:pt x="3223" y="3338"/>
+                    <a:pt x="3223" y="3271"/>
+                  </a:cubicBezTo>
+                  <a:cubicBezTo>
+                    <a:pt x="3223" y="3205"/>
+                    <a:pt x="3170" y="3151"/>
+                    <a:pt x="3103" y="3151"/>
+                  </a:cubicBezTo>
+                  <a:lnTo>
+                    <a:pt x="2552" y="3151"/>
+                  </a:lnTo>
+                  <a:close/>
+                  <a:moveTo>
+                    <a:pt x="4448" y="700"/>
+                  </a:moveTo>
+                  <a:lnTo>
+                    <a:pt x="4448" y="1442"/>
+                  </a:lnTo>
+                  <a:cubicBezTo>
+                    <a:pt x="4448" y="1509"/>
+                    <a:pt x="4501" y="1562"/>
+                    <a:pt x="4568" y="1562"/>
+                  </a:cubicBezTo>
+                  <a:cubicBezTo>
+                    <a:pt x="4634" y="1562"/>
+                    <a:pt x="4688" y="1509"/>
+                    <a:pt x="4688" y="1442"/>
+                  </a:cubicBezTo>
+                  <a:lnTo>
+                    <a:pt x="4688" y="700"/>
+                  </a:lnTo>
+                  <a:cubicBezTo>
+                    <a:pt x="4688" y="314"/>
+                    <a:pt x="4374" y="0"/>
+                    <a:pt x="3988" y="0"/>
+                  </a:cubicBezTo>
+                  <a:lnTo>
+                    <a:pt x="604" y="0"/>
+                  </a:lnTo>
+                  <a:cubicBezTo>
+                    <a:pt x="271" y="0"/>
+                    <a:pt x="0" y="271"/>
+                    <a:pt x="0" y="604"/>
+                  </a:cubicBezTo>
+                  <a:lnTo>
+                    <a:pt x="0" y="1672"/>
+                  </a:lnTo>
+                  <a:cubicBezTo>
+                    <a:pt x="0" y="1738"/>
+                    <a:pt x="53" y="1792"/>
+                    <a:pt x="120" y="1792"/>
+                  </a:cubicBezTo>
+                  <a:lnTo>
+                    <a:pt x="566" y="1792"/>
+                  </a:lnTo>
+                  <a:cubicBezTo>
+                    <a:pt x="632" y="1792"/>
+                    <a:pt x="686" y="1738"/>
+                    <a:pt x="686" y="1672"/>
+                  </a:cubicBezTo>
+                  <a:cubicBezTo>
+                    <a:pt x="686" y="1606"/>
+                    <a:pt x="632" y="1552"/>
+                    <a:pt x="566" y="1552"/>
+                  </a:cubicBezTo>
+                  <a:lnTo>
+                    <a:pt x="240" y="1552"/>
+                  </a:lnTo>
+                  <a:lnTo>
+                    <a:pt x="240" y="604"/>
+                  </a:lnTo>
+                  <a:cubicBezTo>
+                    <a:pt x="240" y="403"/>
+                    <a:pt x="403" y="240"/>
+                    <a:pt x="604" y="240"/>
+                  </a:cubicBezTo>
+                  <a:cubicBezTo>
+                    <a:pt x="805" y="240"/>
+                    <a:pt x="968" y="403"/>
+                    <a:pt x="968" y="604"/>
+                  </a:cubicBezTo>
+                  <a:lnTo>
+                    <a:pt x="968" y="4179"/>
+                  </a:lnTo>
+                  <a:cubicBezTo>
+                    <a:pt x="968" y="4565"/>
+                    <a:pt x="1282" y="4879"/>
+                    <a:pt x="1668" y="4879"/>
+                  </a:cubicBezTo>
+                  <a:lnTo>
+                    <a:pt x="3904" y="4879"/>
+                  </a:lnTo>
+                  <a:cubicBezTo>
+                    <a:pt x="3970" y="4879"/>
+                    <a:pt x="4024" y="4825"/>
+                    <a:pt x="4024" y="4759"/>
+                  </a:cubicBezTo>
+                  <a:cubicBezTo>
+                    <a:pt x="4024" y="4693"/>
+                    <a:pt x="3970" y="4639"/>
+                    <a:pt x="3904" y="4639"/>
+                  </a:cubicBezTo>
+                  <a:lnTo>
+                    <a:pt x="1668" y="4639"/>
+                  </a:lnTo>
+                  <a:cubicBezTo>
+                    <a:pt x="1415" y="4639"/>
+                    <a:pt x="1208" y="4433"/>
+                    <a:pt x="1208" y="4179"/>
+                  </a:cubicBezTo>
+                  <a:lnTo>
+                    <a:pt x="1208" y="604"/>
+                  </a:lnTo>
+                  <a:cubicBezTo>
+                    <a:pt x="1208" y="468"/>
+                    <a:pt x="1163" y="341"/>
+                    <a:pt x="1086" y="240"/>
+                  </a:cubicBezTo>
+                  <a:lnTo>
+                    <a:pt x="3988" y="240"/>
+                  </a:lnTo>
+                  <a:cubicBezTo>
+                    <a:pt x="4241" y="240"/>
+                    <a:pt x="4448" y="446"/>
+                    <a:pt x="4448" y="700"/>
+                  </a:cubicBezTo>
+                  <a:close/>
+                  <a:moveTo>
+                    <a:pt x="4787" y="2000"/>
+                  </a:moveTo>
+                  <a:lnTo>
+                    <a:pt x="4568" y="2000"/>
+                  </a:lnTo>
+                  <a:cubicBezTo>
+                    <a:pt x="4501" y="2000"/>
+                    <a:pt x="4448" y="2054"/>
+                    <a:pt x="4448" y="2120"/>
+                  </a:cubicBezTo>
+                  <a:cubicBezTo>
+                    <a:pt x="4448" y="2187"/>
+                    <a:pt x="4501" y="2240"/>
+                    <a:pt x="4568" y="2240"/>
+                  </a:cubicBezTo>
+                  <a:lnTo>
+                    <a:pt x="4787" y="2240"/>
+                  </a:lnTo>
+                  <a:cubicBezTo>
+                    <a:pt x="4842" y="2240"/>
+                    <a:pt x="4887" y="2285"/>
+                    <a:pt x="4887" y="2340"/>
+                  </a:cubicBezTo>
+                  <a:lnTo>
+                    <a:pt x="4887" y="3718"/>
+                  </a:lnTo>
+                  <a:cubicBezTo>
+                    <a:pt x="4887" y="3785"/>
+                    <a:pt x="4941" y="3838"/>
+                    <a:pt x="5007" y="3838"/>
+                  </a:cubicBezTo>
+                  <a:cubicBezTo>
+                    <a:pt x="5073" y="3838"/>
+                    <a:pt x="5127" y="3785"/>
+                    <a:pt x="5127" y="3718"/>
+                  </a:cubicBezTo>
+                  <a:lnTo>
+                    <a:pt x="5127" y="2340"/>
+                  </a:lnTo>
+                  <a:cubicBezTo>
+                    <a:pt x="5127" y="2153"/>
+                    <a:pt x="4975" y="2000"/>
+                    <a:pt x="4787" y="2000"/>
+                  </a:cubicBezTo>
+                  <a:close/>
+                  <a:moveTo>
+                    <a:pt x="4568" y="5139"/>
+                  </a:moveTo>
+                  <a:cubicBezTo>
+                    <a:pt x="4501" y="5139"/>
+                    <a:pt x="4448" y="5193"/>
+                    <a:pt x="4448" y="5259"/>
+                  </a:cubicBezTo>
+                  <a:lnTo>
+                    <a:pt x="4448" y="5281"/>
+                  </a:lnTo>
+                  <a:cubicBezTo>
+                    <a:pt x="4448" y="5347"/>
+                    <a:pt x="4501" y="5401"/>
+                    <a:pt x="4568" y="5401"/>
+                  </a:cubicBezTo>
+                  <a:cubicBezTo>
+                    <a:pt x="4634" y="5401"/>
+                    <a:pt x="4688" y="5347"/>
+                    <a:pt x="4688" y="5281"/>
+                  </a:cubicBezTo>
+                  <a:lnTo>
+                    <a:pt x="4688" y="5259"/>
+                  </a:lnTo>
+                  <a:cubicBezTo>
+                    <a:pt x="4688" y="5193"/>
+                    <a:pt x="4634" y="5139"/>
+                    <a:pt x="4568" y="5139"/>
+                  </a:cubicBezTo>
+                  <a:close/>
+                  <a:moveTo>
+                    <a:pt x="4568" y="2439"/>
+                  </a:moveTo>
+                  <a:cubicBezTo>
+                    <a:pt x="4501" y="2439"/>
+                    <a:pt x="4448" y="2492"/>
+                    <a:pt x="4448" y="2559"/>
+                  </a:cubicBezTo>
+                  <a:lnTo>
+                    <a:pt x="4448" y="4854"/>
+                  </a:lnTo>
+                  <a:cubicBezTo>
+                    <a:pt x="4448" y="4920"/>
+                    <a:pt x="4501" y="4974"/>
+                    <a:pt x="4568" y="4974"/>
+                  </a:cubicBezTo>
+                  <a:cubicBezTo>
+                    <a:pt x="4634" y="4974"/>
+                    <a:pt x="4688" y="4920"/>
+                    <a:pt x="4688" y="4854"/>
+                  </a:cubicBezTo>
+                  <a:lnTo>
+                    <a:pt x="4688" y="2559"/>
+                  </a:lnTo>
+                  <a:cubicBezTo>
+                    <a:pt x="4688" y="2492"/>
+                    <a:pt x="4634" y="2439"/>
+                    <a:pt x="4568" y="2439"/>
+                  </a:cubicBezTo>
+                  <a:close/>
+                </a:path>
+              </a:pathLst>
+            </a:custGeom>
+            <a:solidFill>
+              <a:schemeClr val="bg1">
+                <a:lumMod val="85000"/>
+              </a:schemeClr>
+            </a:solidFill>
+            <a:ln>
+              <a:noFill/>
+            </a:ln>
+          </p:spPr>
+          <p:txBody>
+            <a:bodyPr/>
+            <a:lstStyle/>
+            <a:p>
+              <a:endParaRPr lang="zh-CN" altLang="en-US">
+                <a:cs typeface="+mn-ea"/>
+                <a:sym typeface="+mn-lt"/>
+              </a:endParaRPr>
+            </a:p>
+          </p:txBody>
+        </p:sp>
+      </p:grpSp>
+      <p:pic>
+        <p:nvPicPr>
+          <p:cNvPr id="4" name="图片 3">
+            <a:extLst>
+              <a:ext uri="{FF2B5EF4-FFF2-40B4-BE49-F238E27FC236}">
+                <a16:creationId xmlns:a16="http://schemas.microsoft.com/office/drawing/2014/main" id="{374CC105-E4EE-424F-BEBD-ED670A4A26D2}"/>
+              </a:ext>
+            </a:extLst>
+          </p:cNvPr>
+          <p:cNvPicPr>
+            <a:picLocks noChangeAspect="1"/>
+          </p:cNvPicPr>
+          <p:nvPr/>
+        </p:nvPicPr>
+        <p:blipFill>
+          <a:blip r:embed="rId3"/>
+          <a:stretch>
+            <a:fillRect/>
+          </a:stretch>
+        </p:blipFill>
+        <p:spPr>
+          <a:xfrm>
+            <a:off x="3314625" y="2177861"/>
+            <a:ext cx="5822185" cy="2461473"/>
+          </a:xfrm>
+          <a:prstGeom prst="rect">
+            <a:avLst/>
+          </a:prstGeom>
+        </p:spPr>
+      </p:pic>
+      <p:pic>
+        <p:nvPicPr>
+          <p:cNvPr id="5" name="图片 4">
+            <a:extLst>
+              <a:ext uri="{FF2B5EF4-FFF2-40B4-BE49-F238E27FC236}">
+                <a16:creationId xmlns:a16="http://schemas.microsoft.com/office/drawing/2014/main" id="{306660BF-78C8-4ACC-A90B-259FCD3F5013}"/>
+              </a:ext>
+            </a:extLst>
+          </p:cNvPr>
+          <p:cNvPicPr>
+            <a:picLocks noChangeAspect="1"/>
+          </p:cNvPicPr>
+          <p:nvPr/>
+        </p:nvPicPr>
+        <p:blipFill>
+          <a:blip r:embed="rId4"/>
+          <a:stretch>
+            <a:fillRect/>
+          </a:stretch>
+        </p:blipFill>
+        <p:spPr>
+          <a:xfrm>
+            <a:off x="3360428" y="4681829"/>
+            <a:ext cx="5776461" cy="2202371"/>
+          </a:xfrm>
+          <a:prstGeom prst="rect">
+            <a:avLst/>
+          </a:prstGeom>
+        </p:spPr>
+      </p:pic>
+      <p:pic>
+        <p:nvPicPr>
+          <p:cNvPr id="11" name="图片 10">
+            <a:extLst>
+              <a:ext uri="{FF2B5EF4-FFF2-40B4-BE49-F238E27FC236}">
+                <a16:creationId xmlns:a16="http://schemas.microsoft.com/office/drawing/2014/main" id="{AEA96155-D81D-4712-BD8B-FE87BB788804}"/>
+              </a:ext>
+            </a:extLst>
+          </p:cNvPr>
+          <p:cNvPicPr>
+            <a:picLocks noChangeAspect="1"/>
+          </p:cNvPicPr>
+          <p:nvPr/>
+        </p:nvPicPr>
+        <p:blipFill>
+          <a:blip r:embed="rId5"/>
+          <a:stretch>
+            <a:fillRect/>
+          </a:stretch>
+        </p:blipFill>
+        <p:spPr>
+          <a:xfrm>
+            <a:off x="9267261" y="5252174"/>
+            <a:ext cx="2606266" cy="1082134"/>
+          </a:xfrm>
+          <a:prstGeom prst="rect">
+            <a:avLst/>
+          </a:prstGeom>
+        </p:spPr>
+      </p:pic>
+      <p:sp>
+        <p:nvSpPr>
+          <p:cNvPr id="12" name="矩形 11">
+            <a:extLst>
+              <a:ext uri="{FF2B5EF4-FFF2-40B4-BE49-F238E27FC236}">
+                <a16:creationId xmlns:a16="http://schemas.microsoft.com/office/drawing/2014/main" id="{B3ED77E8-2B9E-4B99-AEC8-B0A7AD845ACB}"/>
+              </a:ext>
+            </a:extLst>
+          </p:cNvPr>
+          <p:cNvSpPr/>
+          <p:nvPr/>
+        </p:nvSpPr>
+        <p:spPr>
+          <a:xfrm>
+            <a:off x="5041865" y="3200733"/>
+            <a:ext cx="2108269" cy="456535"/>
+          </a:xfrm>
+          <a:prstGeom prst="rect">
+            <a:avLst/>
+          </a:prstGeom>
+        </p:spPr>
+        <p:txBody>
+          <a:bodyPr wrap="none">
+            <a:spAutoFit/>
+          </a:bodyPr>
+          <a:lstStyle/>
+          <a:p>
+            <a:pPr marL="342900" indent="-342900">
+              <a:lnSpc>
+                <a:spcPct val="150000"/>
+              </a:lnSpc>
+              <a:buAutoNum type="arabicPeriod"/>
+            </a:pPr>
+            <a:r>
+              <a:rPr lang="en-US" altLang="zh-CN" dirty="0">
+                <a:sym typeface="+mn-lt"/>
+              </a:rPr>
+              <a:t>Pre-extrapolate</a:t>
+            </a:r>
+          </a:p>
+        </p:txBody>
+      </p:sp>
+    </p:spTree>
+    <p:extLst>
+      <p:ext uri="{BB962C8B-B14F-4D97-AF65-F5344CB8AC3E}">
+        <p14:creationId xmlns:p14="http://schemas.microsoft.com/office/powerpoint/2010/main" val="3656413445"/>
+      </p:ext>
+    </p:extLst>
+  </p:cSld>
+  <p:clrMapOvr>
+    <a:masterClrMapping/>
+  </p:clrMapOvr>
+</p:sld>
+</file>
+
+<file path=ppt/slides/slide5.xml><?xml version="1.0" encoding="utf-8"?>
+<p:sld xmlns:a="http://schemas.openxmlformats.org/drawingml/2006/main" xmlns:r="http://schemas.openxmlformats.org/officeDocument/2006/relationships" xmlns:p="http://schemas.openxmlformats.org/presentationml/2006/main">
+  <p:cSld>
+    <p:spTree>
+      <p:nvGrpSpPr>
+        <p:cNvPr id="1" name=""/>
+        <p:cNvGrpSpPr/>
+        <p:nvPr/>
+      </p:nvGrpSpPr>
+      <p:grpSpPr>
+        <a:xfrm>
+          <a:off x="0" y="0"/>
+          <a:ext cx="0" cy="0"/>
+          <a:chOff x="0" y="0"/>
+          <a:chExt cx="0" cy="0"/>
+        </a:xfrm>
+      </p:grpSpPr>
+      <p:grpSp>
+        <p:nvGrpSpPr>
+          <p:cNvPr id="2" name="组合 1">
+            <a:extLst>
+              <a:ext uri="{FF2B5EF4-FFF2-40B4-BE49-F238E27FC236}">
+                <a16:creationId xmlns:a16="http://schemas.microsoft.com/office/drawing/2014/main" id="{C0498D3A-B738-48EC-A39C-94C58B88932B}"/>
+              </a:ext>
+            </a:extLst>
+          </p:cNvPr>
+          <p:cNvGrpSpPr/>
+          <p:nvPr/>
+        </p:nvGrpSpPr>
+        <p:grpSpPr>
+          <a:xfrm>
+            <a:off x="714397" y="1700808"/>
+            <a:ext cx="10763205" cy="4083608"/>
+            <a:chOff x="757282" y="1700808"/>
+            <a:chExt cx="10763205" cy="4083608"/>
+          </a:xfrm>
+        </p:grpSpPr>
+        <p:grpSp>
+          <p:nvGrpSpPr>
+            <p:cNvPr id="6" name="2b751056-6b97-492c-b763-340acee7e99d" descr="本素材由iSlide™ 提供&#10;iSlide™尊重知识产权并注重保护用户享有的各项权利。郑重提醒您：&#10;iSlide™插件中提供的任何信息内容的所有权、知识产权归其原始权利人或权利受让人所有，您免费/购买获得的是信息内容的使用权，并受下述条款的约束；&#10;1. 您仅可以个人非商业用途使用该等信息内容，不可将信息内容的全部或部分用于出售，或以出租、出借、转让、分销、发布等其他任何方式供他人使用；&#10;2. 禁止在接入互联网或移动互联网的任何网站、平台、应用或程序上以任何方式为他人提供iSlide™插件资源内容的下载。&#10;The resource is supplied by iSlide™.&#10;iSlide™ respects all intellectual property rights and protects all the rights its users acquired.Solemnly remind you:&#10;The ownership and intellectual property of the resources supplied in iSlide Add-in belongs to its owner or the assignee of this ownership.you only acquired the usage of the resources supplied in iSlide Add-in, as well as respected the following restrain terms:&#10;1.You are only allowed to use such resource for personal and non-commercial aim, not allowed to use such resource or part of it for the sale; or rent, lend, transfer to others; or distribution or release it in any way.&#10;2.You are not permitted to provide the resource of iSlide Add-in in any website, platform, application access to the Internet or mobile Internet." title="iSlide™ 版权声明  COPYRIGHT NOTICE">
+              <a:extLst>
+                <a:ext uri="{FF2B5EF4-FFF2-40B4-BE49-F238E27FC236}">
+                  <a16:creationId xmlns:a16="http://schemas.microsoft.com/office/drawing/2014/main" id="{A759C196-DA28-4241-ABB5-975367026FE9}"/>
+                </a:ext>
+              </a:extLst>
+            </p:cNvPr>
+            <p:cNvGrpSpPr>
+              <a:grpSpLocks noChangeAspect="1"/>
+            </p:cNvGrpSpPr>
+            <p:nvPr>
+              <p:custDataLst>
+                <p:tags r:id="rId1"/>
+              </p:custDataLst>
+            </p:nvPr>
+          </p:nvGrpSpPr>
+          <p:grpSpPr>
+            <a:xfrm>
+              <a:off x="757282" y="1700808"/>
+              <a:ext cx="10763205" cy="4083608"/>
+              <a:chOff x="1175743" y="1700808"/>
+              <a:chExt cx="10344744" cy="4083608"/>
+            </a:xfrm>
+          </p:grpSpPr>
+          <p:sp>
+            <p:nvSpPr>
+              <p:cNvPr id="7" name="iṡľïḑè">
+                <a:extLst>
+                  <a:ext uri="{FF2B5EF4-FFF2-40B4-BE49-F238E27FC236}">
+                    <a16:creationId xmlns:a16="http://schemas.microsoft.com/office/drawing/2014/main" id="{48F70259-7598-4270-874A-6F50772D10F6}"/>
+                  </a:ext>
+                </a:extLst>
+              </p:cNvPr>
+              <p:cNvSpPr txBox="1"/>
+              <p:nvPr/>
+            </p:nvSpPr>
+            <p:spPr bwMode="auto">
+              <a:xfrm>
+                <a:off x="3822192" y="1780800"/>
+                <a:ext cx="7698295" cy="4003616"/>
+              </a:xfrm>
+              <a:prstGeom prst="rect">
+                <a:avLst/>
+              </a:prstGeom>
+              <a:noFill/>
+            </p:spPr>
+            <p:txBody>
+              <a:bodyPr wrap="square" tIns="0" anchor="t">
+                <a:noAutofit/>
+              </a:bodyPr>
+              <a:lstStyle>
+                <a:defPPr>
+                  <a:defRPr lang="zh-CN"/>
+                </a:defPPr>
+                <a:lvl1pPr>
+                  <a:defRPr sz="1600" b="1">
+                    <a:latin typeface="Arial" panose="020B0604020202020204" pitchFamily="34" charset="0"/>
+                    <a:ea typeface="微软雅黑" panose="020B0503020204020204" pitchFamily="34" charset="-122"/>
+                    <a:cs typeface="+mn-ea"/>
+                  </a:defRPr>
+                </a:lvl1pPr>
+                <a:lvl2pPr marL="742950" indent="-285750">
+                  <a:defRPr sz="3200" b="1">
+                    <a:solidFill>
+                      <a:srgbClr val="4D4D4D"/>
+                    </a:solidFill>
+                    <a:latin typeface="Arial" panose="020B0604020202020204" pitchFamily="34" charset="0"/>
+                    <a:ea typeface="黑体" panose="02010609060101010101" pitchFamily="49" charset="-122"/>
+                  </a:defRPr>
+                </a:lvl2pPr>
+                <a:lvl3pPr marL="1143000" indent="-228600">
+                  <a:defRPr sz="3200" b="1">
+                    <a:solidFill>
+                      <a:srgbClr val="4D4D4D"/>
+                    </a:solidFill>
+                    <a:latin typeface="Arial" panose="020B0604020202020204" pitchFamily="34" charset="0"/>
+                    <a:ea typeface="黑体" panose="02010609060101010101" pitchFamily="49" charset="-122"/>
+                  </a:defRPr>
+                </a:lvl3pPr>
+                <a:lvl4pPr marL="1600200" indent="-228600">
+                  <a:defRPr sz="3200" b="1">
+                    <a:solidFill>
+                      <a:srgbClr val="4D4D4D"/>
+                    </a:solidFill>
+                    <a:latin typeface="Arial" panose="020B0604020202020204" pitchFamily="34" charset="0"/>
+                    <a:ea typeface="黑体" panose="02010609060101010101" pitchFamily="49" charset="-122"/>
+                  </a:defRPr>
+                </a:lvl4pPr>
+                <a:lvl5pPr marL="2057400" indent="-228600">
+                  <a:defRPr sz="3200" b="1">
+                    <a:solidFill>
+                      <a:srgbClr val="4D4D4D"/>
+                    </a:solidFill>
+                    <a:latin typeface="Arial" panose="020B0604020202020204" pitchFamily="34" charset="0"/>
+                    <a:ea typeface="黑体" panose="02010609060101010101" pitchFamily="49" charset="-122"/>
+                  </a:defRPr>
+                </a:lvl5pPr>
+                <a:lvl6pPr marL="2514600" indent="-228600" eaLnBrk="0" fontAlgn="base" hangingPunct="0">
+                  <a:spcBef>
+                    <a:spcPct val="0"/>
+                  </a:spcBef>
+                  <a:spcAft>
+                    <a:spcPct val="0"/>
+                  </a:spcAft>
+                  <a:defRPr sz="3200" b="1">
+                    <a:solidFill>
+                      <a:srgbClr val="4D4D4D"/>
+                    </a:solidFill>
+                    <a:latin typeface="Arial" panose="020B0604020202020204" pitchFamily="34" charset="0"/>
+                    <a:ea typeface="黑体" panose="02010609060101010101" pitchFamily="49" charset="-122"/>
+                  </a:defRPr>
+                </a:lvl6pPr>
+                <a:lvl7pPr marL="2971800" indent="-228600" eaLnBrk="0" fontAlgn="base" hangingPunct="0">
+                  <a:spcBef>
+                    <a:spcPct val="0"/>
+                  </a:spcBef>
+                  <a:spcAft>
+                    <a:spcPct val="0"/>
+                  </a:spcAft>
+                  <a:defRPr sz="3200" b="1">
+                    <a:solidFill>
+                      <a:srgbClr val="4D4D4D"/>
+                    </a:solidFill>
+                    <a:latin typeface="Arial" panose="020B0604020202020204" pitchFamily="34" charset="0"/>
+                    <a:ea typeface="黑体" panose="02010609060101010101" pitchFamily="49" charset="-122"/>
+                  </a:defRPr>
+                </a:lvl7pPr>
+                <a:lvl8pPr marL="3429000" indent="-228600" eaLnBrk="0" fontAlgn="base" hangingPunct="0">
+                  <a:spcBef>
+                    <a:spcPct val="0"/>
+                  </a:spcBef>
+                  <a:spcAft>
+                    <a:spcPct val="0"/>
+                  </a:spcAft>
+                  <a:defRPr sz="3200" b="1">
+                    <a:solidFill>
+                      <a:srgbClr val="4D4D4D"/>
+                    </a:solidFill>
+                    <a:latin typeface="Arial" panose="020B0604020202020204" pitchFamily="34" charset="0"/>
+                    <a:ea typeface="黑体" panose="02010609060101010101" pitchFamily="49" charset="-122"/>
+                  </a:defRPr>
+                </a:lvl8pPr>
+                <a:lvl9pPr marL="3886200" indent="-228600" eaLnBrk="0" fontAlgn="base" hangingPunct="0">
+                  <a:spcBef>
+                    <a:spcPct val="0"/>
+                  </a:spcBef>
+                  <a:spcAft>
+                    <a:spcPct val="0"/>
+                  </a:spcAft>
+                  <a:defRPr sz="3200" b="1">
+                    <a:solidFill>
+                      <a:srgbClr val="4D4D4D"/>
+                    </a:solidFill>
+                    <a:latin typeface="Arial" panose="020B0604020202020204" pitchFamily="34" charset="0"/>
+                    <a:ea typeface="黑体" panose="02010609060101010101" pitchFamily="49" charset="-122"/>
+                  </a:defRPr>
+                </a:lvl9pPr>
+              </a:lstStyle>
+              <a:p>
+                <a:pPr>
+                  <a:lnSpc>
+                    <a:spcPct val="150000"/>
+                  </a:lnSpc>
+                </a:pPr>
+                <a:r>
+                  <a:rPr lang="zh-CN" altLang="en-US" b="0" dirty="0">
+                    <a:latin typeface="+mn-lt"/>
+                    <a:ea typeface="+mn-ea"/>
+                    <a:sym typeface="+mn-lt"/>
+                  </a:rPr>
+                  <a:t>还可以复制和融合（插值运算） 且有些动画，如都是控制</a:t>
+                </a:r>
+                <a:r>
+                  <a:rPr lang="en-US" altLang="zh-CN" b="0" dirty="0">
+                    <a:latin typeface="+mn-lt"/>
+                    <a:ea typeface="+mn-ea"/>
+                    <a:sym typeface="+mn-lt"/>
+                  </a:rPr>
+                  <a:t>transform</a:t>
+                </a:r>
+                <a:r>
+                  <a:rPr lang="zh-CN" altLang="en-US" b="0" dirty="0">
+                    <a:latin typeface="+mn-lt"/>
+                    <a:ea typeface="+mn-ea"/>
+                    <a:sym typeface="+mn-lt"/>
+                  </a:rPr>
+                  <a:t>组件，则可以公用（</a:t>
+                </a:r>
+                <a:r>
+                  <a:rPr lang="zh-CN" altLang="en-US" b="0">
+                    <a:latin typeface="+mn-lt"/>
+                    <a:ea typeface="+mn-ea"/>
+                    <a:sym typeface="+mn-lt"/>
+                  </a:rPr>
+                  <a:t>只要可以拖拽到该轨道，则可以公用）</a:t>
+                </a:r>
+                <a:endParaRPr lang="en-US" altLang="zh-CN" b="0" dirty="0">
+                  <a:latin typeface="+mn-lt"/>
+                  <a:ea typeface="+mn-ea"/>
+                  <a:sym typeface="+mn-lt"/>
+                </a:endParaRPr>
+              </a:p>
+            </p:txBody>
+          </p:sp>
+          <p:cxnSp>
+            <p:nvCxnSpPr>
+              <p:cNvPr id="8" name="直接连接符 7">
+                <a:extLst>
+                  <a:ext uri="{FF2B5EF4-FFF2-40B4-BE49-F238E27FC236}">
+                    <a16:creationId xmlns:a16="http://schemas.microsoft.com/office/drawing/2014/main" id="{DA1FB18E-FA01-4588-BEF9-FB96A98A84D4}"/>
+                  </a:ext>
+                </a:extLst>
+              </p:cNvPr>
+              <p:cNvCxnSpPr>
+                <a:cxnSpLocks/>
+              </p:cNvCxnSpPr>
+              <p:nvPr/>
+            </p:nvCxnSpPr>
+            <p:spPr>
+              <a:xfrm>
+                <a:off x="3696888" y="1780800"/>
+                <a:ext cx="0" cy="4003616"/>
+              </a:xfrm>
+              <a:prstGeom prst="line">
+                <a:avLst/>
+              </a:prstGeom>
+              <a:solidFill>
+                <a:srgbClr val="FFCC00"/>
+              </a:solidFill>
+              <a:ln w="3175" cap="flat" cmpd="sng" algn="ctr">
+                <a:solidFill>
+                  <a:schemeClr val="bg1">
+                    <a:lumMod val="75000"/>
+                  </a:schemeClr>
+                </a:solidFill>
+                <a:prstDash val="solid"/>
+                <a:round/>
+                <a:headEnd type="none" w="med" len="med"/>
+                <a:tailEnd type="none" w="med" len="med"/>
+              </a:ln>
+              <a:effectLst/>
+            </p:spPr>
+          </p:cxnSp>
+          <p:sp>
+            <p:nvSpPr>
+              <p:cNvPr id="9" name="išľïḋé">
+                <a:extLst>
+                  <a:ext uri="{FF2B5EF4-FFF2-40B4-BE49-F238E27FC236}">
+                    <a16:creationId xmlns:a16="http://schemas.microsoft.com/office/drawing/2014/main" id="{0DB1D0A1-2667-455C-9387-D7ABF0A00B8C}"/>
+                  </a:ext>
+                </a:extLst>
+              </p:cNvPr>
+              <p:cNvSpPr txBox="1"/>
+              <p:nvPr/>
+            </p:nvSpPr>
+            <p:spPr>
+              <a:xfrm>
+                <a:off x="1175743" y="1700808"/>
+                <a:ext cx="2521108" cy="954107"/>
+              </a:xfrm>
+              <a:prstGeom prst="rect">
+                <a:avLst/>
+              </a:prstGeom>
+              <a:solidFill>
+                <a:schemeClr val="bg1"/>
+              </a:solidFill>
+            </p:spPr>
+            <p:txBody>
+              <a:bodyPr wrap="square" rtlCol="0">
+                <a:spAutoFit/>
+              </a:bodyPr>
+              <a:lstStyle/>
+              <a:p>
+                <a:pPr algn="r"/>
+                <a:r>
+                  <a:rPr lang="en-US" altLang="zh-CN" sz="2800" b="1" dirty="0">
+                    <a:solidFill>
+                      <a:schemeClr val="accent1"/>
+                    </a:solidFill>
+                    <a:cs typeface="+mn-ea"/>
+                    <a:sym typeface="+mn-lt"/>
+                  </a:rPr>
+                  <a:t>Timeline</a:t>
+                </a:r>
+                <a:r>
+                  <a:rPr lang="zh-CN" altLang="en-US" sz="2800" b="1" dirty="0">
+                    <a:solidFill>
+                      <a:schemeClr val="accent1"/>
+                    </a:solidFill>
+                    <a:cs typeface="+mn-ea"/>
+                    <a:sym typeface="+mn-lt"/>
+                  </a:rPr>
+                  <a:t>物体演示</a:t>
+                </a:r>
+                <a:endParaRPr lang="tr-TR" sz="2800" b="1" dirty="0">
+                  <a:solidFill>
+                    <a:schemeClr val="accent1"/>
+                  </a:solidFill>
+                  <a:cs typeface="+mn-ea"/>
+                  <a:sym typeface="+mn-lt"/>
+                </a:endParaRPr>
+              </a:p>
+            </p:txBody>
+          </p:sp>
+        </p:grpSp>
+        <p:sp>
+          <p:nvSpPr>
+            <p:cNvPr id="10" name="poetry_91022">
+              <a:extLst>
+                <a:ext uri="{FF2B5EF4-FFF2-40B4-BE49-F238E27FC236}">
+                  <a16:creationId xmlns:a16="http://schemas.microsoft.com/office/drawing/2014/main" id="{ADAD6BE3-DC11-4582-9F68-50D831ADD001}"/>
+                </a:ext>
+              </a:extLst>
+            </p:cNvPr>
+            <p:cNvSpPr>
+              <a:spLocks noChangeAspect="1"/>
+            </p:cNvSpPr>
+            <p:nvPr/>
+          </p:nvSpPr>
+          <p:spPr bwMode="auto">
+            <a:xfrm>
+              <a:off x="2379533" y="4867348"/>
+              <a:ext cx="870506" cy="915667"/>
+            </a:xfrm>
+            <a:custGeom>
+              <a:avLst/>
+              <a:gdLst>
+                <a:gd name="T0" fmla="*/ 3353 w 5127"/>
+                <a:gd name="T1" fmla="*/ 1728 h 5401"/>
+                <a:gd name="T2" fmla="*/ 2183 w 5127"/>
+                <a:gd name="T3" fmla="*/ 1608 h 5401"/>
+                <a:gd name="T4" fmla="*/ 3353 w 5127"/>
+                <a:gd name="T5" fmla="*/ 1488 h 5401"/>
+                <a:gd name="T6" fmla="*/ 3103 w 5127"/>
+                <a:gd name="T7" fmla="*/ 2231 h 5401"/>
+                <a:gd name="T8" fmla="*/ 3103 w 5127"/>
+                <a:gd name="T9" fmla="*/ 1991 h 5401"/>
+                <a:gd name="T10" fmla="*/ 2432 w 5127"/>
+                <a:gd name="T11" fmla="*/ 2111 h 5401"/>
+                <a:gd name="T12" fmla="*/ 3103 w 5127"/>
+                <a:gd name="T13" fmla="*/ 2231 h 5401"/>
+                <a:gd name="T14" fmla="*/ 3353 w 5127"/>
+                <a:gd name="T15" fmla="*/ 2648 h 5401"/>
+                <a:gd name="T16" fmla="*/ 2183 w 5127"/>
+                <a:gd name="T17" fmla="*/ 2768 h 5401"/>
+                <a:gd name="T18" fmla="*/ 3353 w 5127"/>
+                <a:gd name="T19" fmla="*/ 2888 h 5401"/>
+                <a:gd name="T20" fmla="*/ 2552 w 5127"/>
+                <a:gd name="T21" fmla="*/ 3151 h 5401"/>
+                <a:gd name="T22" fmla="*/ 2552 w 5127"/>
+                <a:gd name="T23" fmla="*/ 3391 h 5401"/>
+                <a:gd name="T24" fmla="*/ 3223 w 5127"/>
+                <a:gd name="T25" fmla="*/ 3271 h 5401"/>
+                <a:gd name="T26" fmla="*/ 2552 w 5127"/>
+                <a:gd name="T27" fmla="*/ 3151 h 5401"/>
+                <a:gd name="T28" fmla="*/ 4448 w 5127"/>
+                <a:gd name="T29" fmla="*/ 1442 h 5401"/>
+                <a:gd name="T30" fmla="*/ 4688 w 5127"/>
+                <a:gd name="T31" fmla="*/ 1442 h 5401"/>
+                <a:gd name="T32" fmla="*/ 3988 w 5127"/>
+                <a:gd name="T33" fmla="*/ 0 h 5401"/>
+                <a:gd name="T34" fmla="*/ 0 w 5127"/>
+                <a:gd name="T35" fmla="*/ 604 h 5401"/>
+                <a:gd name="T36" fmla="*/ 120 w 5127"/>
+                <a:gd name="T37" fmla="*/ 1792 h 5401"/>
+                <a:gd name="T38" fmla="*/ 686 w 5127"/>
+                <a:gd name="T39" fmla="*/ 1672 h 5401"/>
+                <a:gd name="T40" fmla="*/ 240 w 5127"/>
+                <a:gd name="T41" fmla="*/ 1552 h 5401"/>
+                <a:gd name="T42" fmla="*/ 604 w 5127"/>
+                <a:gd name="T43" fmla="*/ 240 h 5401"/>
+                <a:gd name="T44" fmla="*/ 968 w 5127"/>
+                <a:gd name="T45" fmla="*/ 4179 h 5401"/>
+                <a:gd name="T46" fmla="*/ 3904 w 5127"/>
+                <a:gd name="T47" fmla="*/ 4879 h 5401"/>
+                <a:gd name="T48" fmla="*/ 3904 w 5127"/>
+                <a:gd name="T49" fmla="*/ 4639 h 5401"/>
+                <a:gd name="T50" fmla="*/ 1208 w 5127"/>
+                <a:gd name="T51" fmla="*/ 4179 h 5401"/>
+                <a:gd name="T52" fmla="*/ 1086 w 5127"/>
+                <a:gd name="T53" fmla="*/ 240 h 5401"/>
+                <a:gd name="T54" fmla="*/ 4448 w 5127"/>
+                <a:gd name="T55" fmla="*/ 700 h 5401"/>
+                <a:gd name="T56" fmla="*/ 4568 w 5127"/>
+                <a:gd name="T57" fmla="*/ 2000 h 5401"/>
+                <a:gd name="T58" fmla="*/ 4568 w 5127"/>
+                <a:gd name="T59" fmla="*/ 2240 h 5401"/>
+                <a:gd name="T60" fmla="*/ 4887 w 5127"/>
+                <a:gd name="T61" fmla="*/ 2340 h 5401"/>
+                <a:gd name="T62" fmla="*/ 5007 w 5127"/>
+                <a:gd name="T63" fmla="*/ 3838 h 5401"/>
+                <a:gd name="T64" fmla="*/ 5127 w 5127"/>
+                <a:gd name="T65" fmla="*/ 2340 h 5401"/>
+                <a:gd name="T66" fmla="*/ 4568 w 5127"/>
+                <a:gd name="T67" fmla="*/ 5139 h 5401"/>
+                <a:gd name="T68" fmla="*/ 4448 w 5127"/>
+                <a:gd name="T69" fmla="*/ 5281 h 5401"/>
+                <a:gd name="T70" fmla="*/ 4688 w 5127"/>
+                <a:gd name="T71" fmla="*/ 5281 h 5401"/>
+                <a:gd name="T72" fmla="*/ 4568 w 5127"/>
+                <a:gd name="T73" fmla="*/ 5139 h 5401"/>
+                <a:gd name="T74" fmla="*/ 4448 w 5127"/>
+                <a:gd name="T75" fmla="*/ 2559 h 5401"/>
+                <a:gd name="T76" fmla="*/ 4568 w 5127"/>
+                <a:gd name="T77" fmla="*/ 4974 h 5401"/>
+                <a:gd name="T78" fmla="*/ 4688 w 5127"/>
+                <a:gd name="T79" fmla="*/ 2559 h 5401"/>
+              </a:gdLst>
+              <a:ahLst/>
+              <a:cxnLst>
+                <a:cxn ang="0">
+                  <a:pos x="T0" y="T1"/>
+                </a:cxn>
+                <a:cxn ang="0">
+                  <a:pos x="T2" y="T3"/>
+                </a:cxn>
+                <a:cxn ang="0">
+                  <a:pos x="T4" y="T5"/>
+                </a:cxn>
+                <a:cxn ang="0">
+                  <a:pos x="T6" y="T7"/>
+                </a:cxn>
+                <a:cxn ang="0">
+                  <a:pos x="T8" y="T9"/>
+                </a:cxn>
+                <a:cxn ang="0">
+                  <a:pos x="T10" y="T11"/>
+                </a:cxn>
+                <a:cxn ang="0">
+                  <a:pos x="T12" y="T13"/>
+                </a:cxn>
+                <a:cxn ang="0">
+                  <a:pos x="T14" y="T15"/>
+                </a:cxn>
+                <a:cxn ang="0">
+                  <a:pos x="T16" y="T17"/>
+                </a:cxn>
+                <a:cxn ang="0">
+                  <a:pos x="T18" y="T19"/>
+                </a:cxn>
+                <a:cxn ang="0">
+                  <a:pos x="T20" y="T21"/>
+                </a:cxn>
+                <a:cxn ang="0">
+                  <a:pos x="T22" y="T23"/>
+                </a:cxn>
+                <a:cxn ang="0">
+                  <a:pos x="T24" y="T25"/>
+                </a:cxn>
+                <a:cxn ang="0">
+                  <a:pos x="T26" y="T27"/>
+                </a:cxn>
+                <a:cxn ang="0">
+                  <a:pos x="T28" y="T29"/>
+                </a:cxn>
+                <a:cxn ang="0">
+                  <a:pos x="T30" y="T31"/>
+                </a:cxn>
+                <a:cxn ang="0">
+                  <a:pos x="T32" y="T33"/>
+                </a:cxn>
+                <a:cxn ang="0">
+                  <a:pos x="T34" y="T35"/>
+                </a:cxn>
+                <a:cxn ang="0">
+                  <a:pos x="T36" y="T37"/>
+                </a:cxn>
+                <a:cxn ang="0">
+                  <a:pos x="T38" y="T39"/>
+                </a:cxn>
+                <a:cxn ang="0">
+                  <a:pos x="T40" y="T41"/>
+                </a:cxn>
+                <a:cxn ang="0">
+                  <a:pos x="T42" y="T43"/>
+                </a:cxn>
+                <a:cxn ang="0">
+                  <a:pos x="T44" y="T45"/>
+                </a:cxn>
+                <a:cxn ang="0">
+                  <a:pos x="T46" y="T47"/>
+                </a:cxn>
+                <a:cxn ang="0">
+                  <a:pos x="T48" y="T49"/>
+                </a:cxn>
+                <a:cxn ang="0">
+                  <a:pos x="T50" y="T51"/>
+                </a:cxn>
+                <a:cxn ang="0">
+                  <a:pos x="T52" y="T53"/>
+                </a:cxn>
+                <a:cxn ang="0">
+                  <a:pos x="T54" y="T55"/>
+                </a:cxn>
+                <a:cxn ang="0">
+                  <a:pos x="T56" y="T57"/>
+                </a:cxn>
+                <a:cxn ang="0">
+                  <a:pos x="T58" y="T59"/>
+                </a:cxn>
+                <a:cxn ang="0">
+                  <a:pos x="T60" y="T61"/>
+                </a:cxn>
+                <a:cxn ang="0">
+                  <a:pos x="T62" y="T63"/>
+                </a:cxn>
+                <a:cxn ang="0">
+                  <a:pos x="T64" y="T65"/>
+                </a:cxn>
+                <a:cxn ang="0">
+                  <a:pos x="T66" y="T67"/>
+                </a:cxn>
+                <a:cxn ang="0">
+                  <a:pos x="T68" y="T69"/>
+                </a:cxn>
+                <a:cxn ang="0">
+                  <a:pos x="T70" y="T71"/>
+                </a:cxn>
+                <a:cxn ang="0">
+                  <a:pos x="T72" y="T73"/>
+                </a:cxn>
+                <a:cxn ang="0">
+                  <a:pos x="T74" y="T75"/>
+                </a:cxn>
+                <a:cxn ang="0">
+                  <a:pos x="T76" y="T77"/>
+                </a:cxn>
+                <a:cxn ang="0">
+                  <a:pos x="T78" y="T79"/>
+                </a:cxn>
+              </a:cxnLst>
+              <a:rect l="0" t="0" r="r" b="b"/>
+              <a:pathLst>
+                <a:path w="5127" h="5401">
+                  <a:moveTo>
+                    <a:pt x="3473" y="1608"/>
+                  </a:moveTo>
+                  <a:cubicBezTo>
+                    <a:pt x="3473" y="1674"/>
+                    <a:pt x="3419" y="1728"/>
+                    <a:pt x="3353" y="1728"/>
+                  </a:cubicBezTo>
+                  <a:lnTo>
+                    <a:pt x="2303" y="1728"/>
+                  </a:lnTo>
+                  <a:cubicBezTo>
+                    <a:pt x="2236" y="1728"/>
+                    <a:pt x="2183" y="1674"/>
+                    <a:pt x="2183" y="1608"/>
+                  </a:cubicBezTo>
+                  <a:cubicBezTo>
+                    <a:pt x="2183" y="1542"/>
+                    <a:pt x="2236" y="1488"/>
+                    <a:pt x="2303" y="1488"/>
+                  </a:cubicBezTo>
+                  <a:lnTo>
+                    <a:pt x="3353" y="1488"/>
+                  </a:lnTo>
+                  <a:cubicBezTo>
+                    <a:pt x="3419" y="1488"/>
+                    <a:pt x="3473" y="1542"/>
+                    <a:pt x="3473" y="1608"/>
+                  </a:cubicBezTo>
+                  <a:close/>
+                  <a:moveTo>
+                    <a:pt x="3103" y="2231"/>
+                  </a:moveTo>
+                  <a:cubicBezTo>
+                    <a:pt x="3170" y="2231"/>
+                    <a:pt x="3223" y="2178"/>
+                    <a:pt x="3223" y="2111"/>
+                  </a:cubicBezTo>
+                  <a:cubicBezTo>
+                    <a:pt x="3223" y="2045"/>
+                    <a:pt x="3170" y="1991"/>
+                    <a:pt x="3103" y="1991"/>
+                  </a:cubicBezTo>
+                  <a:lnTo>
+                    <a:pt x="2552" y="1991"/>
+                  </a:lnTo>
+                  <a:cubicBezTo>
+                    <a:pt x="2486" y="1991"/>
+                    <a:pt x="2432" y="2045"/>
+                    <a:pt x="2432" y="2111"/>
+                  </a:cubicBezTo>
+                  <a:cubicBezTo>
+                    <a:pt x="2432" y="2178"/>
+                    <a:pt x="2486" y="2231"/>
+                    <a:pt x="2552" y="2231"/>
+                  </a:cubicBezTo>
+                  <a:lnTo>
+                    <a:pt x="3103" y="2231"/>
+                  </a:lnTo>
+                  <a:close/>
+                  <a:moveTo>
+                    <a:pt x="3473" y="2768"/>
+                  </a:moveTo>
+                  <a:cubicBezTo>
+                    <a:pt x="3473" y="2701"/>
+                    <a:pt x="3419" y="2648"/>
+                    <a:pt x="3353" y="2648"/>
+                  </a:cubicBezTo>
+                  <a:lnTo>
+                    <a:pt x="2303" y="2648"/>
+                  </a:lnTo>
+                  <a:cubicBezTo>
+                    <a:pt x="2236" y="2648"/>
+                    <a:pt x="2183" y="2701"/>
+                    <a:pt x="2183" y="2768"/>
+                  </a:cubicBezTo>
+                  <a:cubicBezTo>
+                    <a:pt x="2183" y="2834"/>
+                    <a:pt x="2236" y="2888"/>
+                    <a:pt x="2303" y="2888"/>
+                  </a:cubicBezTo>
+                  <a:lnTo>
+                    <a:pt x="3353" y="2888"/>
+                  </a:lnTo>
+                  <a:cubicBezTo>
+                    <a:pt x="3419" y="2888"/>
+                    <a:pt x="3473" y="2834"/>
+                    <a:pt x="3473" y="2768"/>
+                  </a:cubicBezTo>
+                  <a:close/>
+                  <a:moveTo>
+                    <a:pt x="2552" y="3151"/>
+                  </a:moveTo>
+                  <a:cubicBezTo>
+                    <a:pt x="2486" y="3151"/>
+                    <a:pt x="2432" y="3205"/>
+                    <a:pt x="2432" y="3271"/>
+                  </a:cubicBezTo>
+                  <a:cubicBezTo>
+                    <a:pt x="2432" y="3338"/>
+                    <a:pt x="2486" y="3391"/>
+                    <a:pt x="2552" y="3391"/>
+                  </a:cubicBezTo>
+                  <a:lnTo>
+                    <a:pt x="3103" y="3391"/>
+                  </a:lnTo>
+                  <a:cubicBezTo>
+                    <a:pt x="3170" y="3391"/>
+                    <a:pt x="3223" y="3338"/>
+                    <a:pt x="3223" y="3271"/>
+                  </a:cubicBezTo>
+                  <a:cubicBezTo>
+                    <a:pt x="3223" y="3205"/>
+                    <a:pt x="3170" y="3151"/>
+                    <a:pt x="3103" y="3151"/>
+                  </a:cubicBezTo>
+                  <a:lnTo>
+                    <a:pt x="2552" y="3151"/>
+                  </a:lnTo>
+                  <a:close/>
+                  <a:moveTo>
+                    <a:pt x="4448" y="700"/>
+                  </a:moveTo>
+                  <a:lnTo>
+                    <a:pt x="4448" y="1442"/>
+                  </a:lnTo>
+                  <a:cubicBezTo>
+                    <a:pt x="4448" y="1509"/>
+                    <a:pt x="4501" y="1562"/>
+                    <a:pt x="4568" y="1562"/>
+                  </a:cubicBezTo>
+                  <a:cubicBezTo>
+                    <a:pt x="4634" y="1562"/>
+                    <a:pt x="4688" y="1509"/>
+                    <a:pt x="4688" y="1442"/>
+                  </a:cubicBezTo>
+                  <a:lnTo>
+                    <a:pt x="4688" y="700"/>
+                  </a:lnTo>
+                  <a:cubicBezTo>
+                    <a:pt x="4688" y="314"/>
+                    <a:pt x="4374" y="0"/>
+                    <a:pt x="3988" y="0"/>
+                  </a:cubicBezTo>
+                  <a:lnTo>
+                    <a:pt x="604" y="0"/>
+                  </a:lnTo>
+                  <a:cubicBezTo>
+                    <a:pt x="271" y="0"/>
+                    <a:pt x="0" y="271"/>
+                    <a:pt x="0" y="604"/>
+                  </a:cubicBezTo>
+                  <a:lnTo>
+                    <a:pt x="0" y="1672"/>
+                  </a:lnTo>
+                  <a:cubicBezTo>
+                    <a:pt x="0" y="1738"/>
+                    <a:pt x="53" y="1792"/>
+                    <a:pt x="120" y="1792"/>
+                  </a:cubicBezTo>
+                  <a:lnTo>
+                    <a:pt x="566" y="1792"/>
+                  </a:lnTo>
+                  <a:cubicBezTo>
+                    <a:pt x="632" y="1792"/>
+                    <a:pt x="686" y="1738"/>
+                    <a:pt x="686" y="1672"/>
+                  </a:cubicBezTo>
+                  <a:cubicBezTo>
+                    <a:pt x="686" y="1606"/>
+                    <a:pt x="632" y="1552"/>
+                    <a:pt x="566" y="1552"/>
+                  </a:cubicBezTo>
+                  <a:lnTo>
+                    <a:pt x="240" y="1552"/>
+                  </a:lnTo>
+                  <a:lnTo>
+                    <a:pt x="240" y="604"/>
+                  </a:lnTo>
+                  <a:cubicBezTo>
+                    <a:pt x="240" y="403"/>
+                    <a:pt x="403" y="240"/>
+                    <a:pt x="604" y="240"/>
+                  </a:cubicBezTo>
+                  <a:cubicBezTo>
+                    <a:pt x="805" y="240"/>
+                    <a:pt x="968" y="403"/>
+                    <a:pt x="968" y="604"/>
+                  </a:cubicBezTo>
+                  <a:lnTo>
+                    <a:pt x="968" y="4179"/>
+                  </a:lnTo>
+                  <a:cubicBezTo>
+                    <a:pt x="968" y="4565"/>
+                    <a:pt x="1282" y="4879"/>
+                    <a:pt x="1668" y="4879"/>
+                  </a:cubicBezTo>
+                  <a:lnTo>
+                    <a:pt x="3904" y="4879"/>
+                  </a:lnTo>
+                  <a:cubicBezTo>
+                    <a:pt x="3970" y="4879"/>
+                    <a:pt x="4024" y="4825"/>
+                    <a:pt x="4024" y="4759"/>
+                  </a:cubicBezTo>
+                  <a:cubicBezTo>
+                    <a:pt x="4024" y="4693"/>
+                    <a:pt x="3970" y="4639"/>
+                    <a:pt x="3904" y="4639"/>
+                  </a:cubicBezTo>
+                  <a:lnTo>
+                    <a:pt x="1668" y="4639"/>
+                  </a:lnTo>
+                  <a:cubicBezTo>
+                    <a:pt x="1415" y="4639"/>
+                    <a:pt x="1208" y="4433"/>
+                    <a:pt x="1208" y="4179"/>
+                  </a:cubicBezTo>
+                  <a:lnTo>
+                    <a:pt x="1208" y="604"/>
+                  </a:lnTo>
+                  <a:cubicBezTo>
+                    <a:pt x="1208" y="468"/>
+                    <a:pt x="1163" y="341"/>
+                    <a:pt x="1086" y="240"/>
+                  </a:cubicBezTo>
+                  <a:lnTo>
+                    <a:pt x="3988" y="240"/>
+                  </a:lnTo>
+                  <a:cubicBezTo>
+                    <a:pt x="4241" y="240"/>
+                    <a:pt x="4448" y="446"/>
+                    <a:pt x="4448" y="700"/>
+                  </a:cubicBezTo>
+                  <a:close/>
+                  <a:moveTo>
+                    <a:pt x="4787" y="2000"/>
+                  </a:moveTo>
+                  <a:lnTo>
+                    <a:pt x="4568" y="2000"/>
+                  </a:lnTo>
+                  <a:cubicBezTo>
+                    <a:pt x="4501" y="2000"/>
+                    <a:pt x="4448" y="2054"/>
+                    <a:pt x="4448" y="2120"/>
+                  </a:cubicBezTo>
+                  <a:cubicBezTo>
+                    <a:pt x="4448" y="2187"/>
+                    <a:pt x="4501" y="2240"/>
+                    <a:pt x="4568" y="2240"/>
+                  </a:cubicBezTo>
+                  <a:lnTo>
+                    <a:pt x="4787" y="2240"/>
+                  </a:lnTo>
+                  <a:cubicBezTo>
+                    <a:pt x="4842" y="2240"/>
+                    <a:pt x="4887" y="2285"/>
+                    <a:pt x="4887" y="2340"/>
+                  </a:cubicBezTo>
+                  <a:lnTo>
+                    <a:pt x="4887" y="3718"/>
+                  </a:lnTo>
+                  <a:cubicBezTo>
+                    <a:pt x="4887" y="3785"/>
+                    <a:pt x="4941" y="3838"/>
+                    <a:pt x="5007" y="3838"/>
+                  </a:cubicBezTo>
+                  <a:cubicBezTo>
+                    <a:pt x="5073" y="3838"/>
+                    <a:pt x="5127" y="3785"/>
+                    <a:pt x="5127" y="3718"/>
+                  </a:cubicBezTo>
+                  <a:lnTo>
+                    <a:pt x="5127" y="2340"/>
+                  </a:lnTo>
+                  <a:cubicBezTo>
+                    <a:pt x="5127" y="2153"/>
+                    <a:pt x="4975" y="2000"/>
+                    <a:pt x="4787" y="2000"/>
+                  </a:cubicBezTo>
+                  <a:close/>
+                  <a:moveTo>
+                    <a:pt x="4568" y="5139"/>
+                  </a:moveTo>
+                  <a:cubicBezTo>
+                    <a:pt x="4501" y="5139"/>
+                    <a:pt x="4448" y="5193"/>
+                    <a:pt x="4448" y="5259"/>
+                  </a:cubicBezTo>
+                  <a:lnTo>
+                    <a:pt x="4448" y="5281"/>
+                  </a:lnTo>
+                  <a:cubicBezTo>
+                    <a:pt x="4448" y="5347"/>
+                    <a:pt x="4501" y="5401"/>
+                    <a:pt x="4568" y="5401"/>
+                  </a:cubicBezTo>
+                  <a:cubicBezTo>
+                    <a:pt x="4634" y="5401"/>
+                    <a:pt x="4688" y="5347"/>
+                    <a:pt x="4688" y="5281"/>
+                  </a:cubicBezTo>
+                  <a:lnTo>
+                    <a:pt x="4688" y="5259"/>
+                  </a:lnTo>
+                  <a:cubicBezTo>
+                    <a:pt x="4688" y="5193"/>
+                    <a:pt x="4634" y="5139"/>
+                    <a:pt x="4568" y="5139"/>
+                  </a:cubicBezTo>
+                  <a:close/>
+                  <a:moveTo>
+                    <a:pt x="4568" y="2439"/>
+                  </a:moveTo>
+                  <a:cubicBezTo>
+                    <a:pt x="4501" y="2439"/>
+                    <a:pt x="4448" y="2492"/>
+                    <a:pt x="4448" y="2559"/>
+                  </a:cubicBezTo>
+                  <a:lnTo>
+                    <a:pt x="4448" y="4854"/>
+                  </a:lnTo>
+                  <a:cubicBezTo>
+                    <a:pt x="4448" y="4920"/>
+                    <a:pt x="4501" y="4974"/>
+                    <a:pt x="4568" y="4974"/>
+                  </a:cubicBezTo>
+                  <a:cubicBezTo>
+                    <a:pt x="4634" y="4974"/>
+                    <a:pt x="4688" y="4920"/>
+                    <a:pt x="4688" y="4854"/>
+                  </a:cubicBezTo>
+                  <a:lnTo>
+                    <a:pt x="4688" y="2559"/>
+                  </a:lnTo>
+                  <a:cubicBezTo>
+                    <a:pt x="4688" y="2492"/>
+                    <a:pt x="4634" y="2439"/>
+                    <a:pt x="4568" y="2439"/>
+                  </a:cubicBezTo>
+                  <a:close/>
+                </a:path>
+              </a:pathLst>
+            </a:custGeom>
+            <a:solidFill>
+              <a:schemeClr val="bg1">
+                <a:lumMod val="85000"/>
+              </a:schemeClr>
+            </a:solidFill>
+            <a:ln>
+              <a:noFill/>
+            </a:ln>
+          </p:spPr>
+          <p:txBody>
+            <a:bodyPr/>
+            <a:lstStyle/>
+            <a:p>
+              <a:endParaRPr lang="zh-CN" altLang="en-US">
+                <a:cs typeface="+mn-ea"/>
+                <a:sym typeface="+mn-lt"/>
+              </a:endParaRPr>
+            </a:p>
+          </p:txBody>
+        </p:sp>
+      </p:grpSp>
+      <p:pic>
+        <p:nvPicPr>
+          <p:cNvPr id="3" name="图片 2">
+            <a:extLst>
+              <a:ext uri="{FF2B5EF4-FFF2-40B4-BE49-F238E27FC236}">
+                <a16:creationId xmlns:a16="http://schemas.microsoft.com/office/drawing/2014/main" id="{8F293CA7-56D1-49D4-979B-AF3F6FF84C4A}"/>
+              </a:ext>
+            </a:extLst>
+          </p:cNvPr>
+          <p:cNvPicPr>
+            <a:picLocks noChangeAspect="1"/>
+          </p:cNvPicPr>
+          <p:nvPr/>
+        </p:nvPicPr>
+        <p:blipFill>
+          <a:blip r:embed="rId3"/>
+          <a:stretch>
+            <a:fillRect/>
+          </a:stretch>
+        </p:blipFill>
+        <p:spPr>
+          <a:xfrm>
+            <a:off x="3467859" y="2570614"/>
+            <a:ext cx="5433531" cy="1021168"/>
+          </a:xfrm>
+          <a:prstGeom prst="rect">
+            <a:avLst/>
+          </a:prstGeom>
+        </p:spPr>
+      </p:pic>
+      <p:pic>
+        <p:nvPicPr>
+          <p:cNvPr id="13" name="图片 12">
+            <a:extLst>
+              <a:ext uri="{FF2B5EF4-FFF2-40B4-BE49-F238E27FC236}">
+                <a16:creationId xmlns:a16="http://schemas.microsoft.com/office/drawing/2014/main" id="{BE880F15-53A8-41F5-99B6-93D6AB29F17F}"/>
+              </a:ext>
+            </a:extLst>
+          </p:cNvPr>
+          <p:cNvPicPr>
+            <a:picLocks noChangeAspect="1"/>
+          </p:cNvPicPr>
+          <p:nvPr/>
+        </p:nvPicPr>
+        <p:blipFill>
+          <a:blip r:embed="rId4"/>
+          <a:stretch>
+            <a:fillRect/>
+          </a:stretch>
+        </p:blipFill>
+        <p:spPr>
+          <a:xfrm>
+            <a:off x="3551687" y="3676581"/>
+            <a:ext cx="5265876" cy="1190767"/>
+          </a:xfrm>
+          <a:prstGeom prst="rect">
+            <a:avLst/>
+          </a:prstGeom>
+        </p:spPr>
+      </p:pic>
+      <p:pic>
+        <p:nvPicPr>
+          <p:cNvPr id="4" name="图片 3">
+            <a:extLst>
+              <a:ext uri="{FF2B5EF4-FFF2-40B4-BE49-F238E27FC236}">
+                <a16:creationId xmlns:a16="http://schemas.microsoft.com/office/drawing/2014/main" id="{167E8FE5-AA5F-4C5D-A9D5-969DEA6ACE61}"/>
+              </a:ext>
+            </a:extLst>
+          </p:cNvPr>
+          <p:cNvPicPr>
+            <a:picLocks noChangeAspect="1"/>
+          </p:cNvPicPr>
+          <p:nvPr/>
+        </p:nvPicPr>
+        <p:blipFill>
+          <a:blip r:embed="rId5"/>
+          <a:stretch>
+            <a:fillRect/>
+          </a:stretch>
+        </p:blipFill>
+        <p:spPr>
+          <a:xfrm>
+            <a:off x="3405716" y="4867348"/>
+            <a:ext cx="5875529" cy="1615580"/>
+          </a:xfrm>
+          <a:prstGeom prst="rect">
+            <a:avLst/>
+          </a:prstGeom>
+        </p:spPr>
+      </p:pic>
+    </p:spTree>
+    <p:extLst>
+      <p:ext uri="{BB962C8B-B14F-4D97-AF65-F5344CB8AC3E}">
+        <p14:creationId xmlns:p14="http://schemas.microsoft.com/office/powerpoint/2010/main" val="2049094537"/>
+      </p:ext>
+    </p:extLst>
+  </p:cSld>
+  <p:clrMapOvr>
+    <a:masterClrMapping/>
+  </p:clrMapOvr>
+</p:sld>
+</file>
+
+<file path=ppt/slides/slide6.xml><?xml version="1.0" encoding="utf-8"?>
 <p:sld xmlns:a="http://schemas.openxmlformats.org/drawingml/2006/main" xmlns:r="http://schemas.openxmlformats.org/officeDocument/2006/relationships" xmlns:p="http://schemas.openxmlformats.org/presentationml/2006/main">
   <p:cSld>
     <p:spTree>
@@ -6252,301 +8160,19 @@
                   <a:buAutoNum type="arabicPeriod"/>
                 </a:pPr>
                 <a:r>
-                  <a:rPr lang="zh-CN" altLang="en-US" b="0" dirty="0">
-                    <a:latin typeface="+mn-lt"/>
-                    <a:ea typeface="+mn-ea"/>
-                    <a:sym typeface="+mn-lt"/>
-                  </a:rPr>
-                  <a:t>把人物资源</a:t>
-                </a:r>
-                <a:r>
-                  <a:rPr lang="en-US" altLang="zh-CN" sz="1400" b="0" dirty="0" err="1">
-                    <a:sym typeface="+mn-lt"/>
-                  </a:rPr>
-                  <a:t>DefaultAvatar</a:t>
-                </a:r>
-                <a:r>
-                  <a:rPr lang="zh-CN" altLang="en-US" sz="1400" b="0" dirty="0">
-                    <a:sym typeface="+mn-lt"/>
-                  </a:rPr>
-                  <a:t>拖动到界面</a:t>
-                </a:r>
-                <a:endParaRPr lang="en-US" altLang="zh-CN" sz="1400" b="0" dirty="0">
-                  <a:sym typeface="+mn-lt"/>
-                </a:endParaRPr>
-              </a:p>
-              <a:p>
-                <a:pPr marL="342900" indent="-342900">
-                  <a:lnSpc>
-                    <a:spcPct val="150000"/>
-                  </a:lnSpc>
-                  <a:buAutoNum type="arabicPeriod"/>
-                </a:pPr>
-                <a:r>
-                  <a:rPr lang="zh-CN" altLang="en-US" b="0" dirty="0">
-                    <a:latin typeface="+mn-lt"/>
-                    <a:ea typeface="+mn-ea"/>
-                    <a:sym typeface="+mn-lt"/>
-                  </a:rPr>
-                  <a:t>把人物物体拖入</a:t>
-                </a:r>
-                <a:r>
                   <a:rPr lang="en-US" altLang="zh-CN" b="0" dirty="0">
                     <a:latin typeface="+mn-lt"/>
                     <a:ea typeface="+mn-ea"/>
                     <a:sym typeface="+mn-lt"/>
                   </a:rPr>
-                  <a:t>timeline</a:t>
-                </a:r>
-                <a:r>
-                  <a:rPr lang="zh-CN" altLang="en-US" b="0" dirty="0">
-                    <a:latin typeface="+mn-lt"/>
-                    <a:ea typeface="+mn-ea"/>
-                    <a:sym typeface="+mn-lt"/>
-                  </a:rPr>
-                  <a:t>窗口，选择创建</a:t>
-                </a:r>
-                <a:r>
-                  <a:rPr lang="en-US" altLang="zh-CN" b="0" dirty="0">
-                    <a:sym typeface="+mn-lt"/>
-                  </a:rPr>
-                  <a:t>animation-track</a:t>
+                  <a:t>Pre-extrapolate</a:t>
                 </a:r>
               </a:p>
               <a:p>
-                <a:pPr marL="342900" indent="-342900">
+                <a:pPr>
                   <a:lnSpc>
                     <a:spcPct val="150000"/>
                   </a:lnSpc>
-                  <a:buAutoNum type="arabicPeriod"/>
-                </a:pPr>
-                <a:r>
-                  <a:rPr lang="zh-CN" altLang="en-US" b="0" dirty="0">
-                    <a:latin typeface="+mn-lt"/>
-                    <a:ea typeface="+mn-ea"/>
-                    <a:sym typeface="+mn-lt"/>
-                  </a:rPr>
-                  <a:t>直接拖动</a:t>
-                </a:r>
-                <a:r>
-                  <a:rPr lang="en-US" altLang="zh-CN" sz="1400" b="0" dirty="0" err="1">
-                    <a:sym typeface="+mn-lt"/>
-                  </a:rPr>
-                  <a:t>valut</a:t>
-                </a:r>
-                <a:r>
-                  <a:rPr lang="zh-CN" altLang="en-US" sz="1400" b="0" dirty="0">
-                    <a:sym typeface="+mn-lt"/>
-                  </a:rPr>
-                  <a:t>，</a:t>
-                </a:r>
-                <a:r>
-                  <a:rPr lang="en-US" altLang="zh-CN" sz="1400" b="0" dirty="0">
-                    <a:sym typeface="+mn-lt"/>
-                  </a:rPr>
-                  <a:t>dying</a:t>
-                </a:r>
-                <a:r>
-                  <a:rPr lang="zh-CN" altLang="en-US" sz="1400" b="0" dirty="0">
-                    <a:sym typeface="+mn-lt"/>
-                  </a:rPr>
-                  <a:t>到</a:t>
-                </a:r>
-                <a:r>
-                  <a:rPr lang="en-US" altLang="zh-CN" sz="1400" b="0" dirty="0">
-                    <a:sym typeface="+mn-lt"/>
-                  </a:rPr>
-                  <a:t>timeline</a:t>
-                </a:r>
-                <a:r>
-                  <a:rPr lang="zh-CN" altLang="en-US" sz="1400" b="0" dirty="0">
-                    <a:sym typeface="+mn-lt"/>
-                  </a:rPr>
-                  <a:t>生成</a:t>
-                </a:r>
-                <a:r>
-                  <a:rPr lang="en-US" altLang="zh-CN" sz="1400" b="0" dirty="0">
-                    <a:sym typeface="+mn-lt"/>
-                  </a:rPr>
-                  <a:t>clip,</a:t>
-                </a:r>
-                <a:r>
-                  <a:rPr lang="zh-CN" altLang="en-US" sz="1400" b="0" dirty="0">
-                    <a:sym typeface="+mn-lt"/>
-                  </a:rPr>
-                  <a:t>查看效果</a:t>
-                </a:r>
-                <a:endParaRPr lang="en-US" altLang="zh-CN" sz="1400" b="0" dirty="0">
-                  <a:sym typeface="+mn-lt"/>
-                </a:endParaRPr>
-              </a:p>
-              <a:p>
-                <a:pPr marL="342900" indent="-342900">
-                  <a:lnSpc>
-                    <a:spcPct val="150000"/>
-                  </a:lnSpc>
-                  <a:buAutoNum type="arabicPeriod"/>
-                </a:pPr>
-                <a:r>
-                  <a:rPr lang="zh-CN" altLang="en-US" sz="1400" b="0" dirty="0">
-                    <a:latin typeface="+mn-lt"/>
-                    <a:ea typeface="+mn-ea"/>
-                    <a:sym typeface="+mn-lt"/>
-                  </a:rPr>
-                  <a:t>两个动画可以进行交叉融合，会自动根据插值运算融合</a:t>
-                </a:r>
-                <a:endParaRPr lang="en-US" altLang="zh-CN" sz="1400" b="0" dirty="0">
-                  <a:latin typeface="+mn-lt"/>
-                  <a:ea typeface="+mn-ea"/>
-                  <a:sym typeface="+mn-lt"/>
-                </a:endParaRPr>
-              </a:p>
-              <a:p>
-                <a:pPr marL="342900" indent="-342900">
-                  <a:lnSpc>
-                    <a:spcPct val="150000"/>
-                  </a:lnSpc>
-                  <a:buAutoNum type="arabicPeriod"/>
-                </a:pPr>
-                <a:r>
-                  <a:rPr lang="zh-CN" altLang="en-US" sz="1400" b="0" dirty="0">
-                    <a:latin typeface="+mn-lt"/>
-                    <a:ea typeface="+mn-ea"/>
-                    <a:sym typeface="+mn-lt"/>
-                  </a:rPr>
-                  <a:t>找到人物组件</a:t>
-                </a:r>
-                <a:r>
-                  <a:rPr lang="en-US" altLang="zh-CN" sz="1400" b="0" dirty="0">
-                    <a:latin typeface="+mn-lt"/>
-                    <a:ea typeface="+mn-ea"/>
-                    <a:sym typeface="+mn-lt"/>
-                  </a:rPr>
-                  <a:t>Animator,</a:t>
-                </a:r>
-                <a:r>
-                  <a:rPr lang="zh-CN" altLang="en-US" sz="1400" b="0" dirty="0">
-                    <a:latin typeface="+mn-lt"/>
-                    <a:ea typeface="+mn-ea"/>
-                    <a:sym typeface="+mn-lt"/>
-                  </a:rPr>
-                  <a:t>把</a:t>
-                </a:r>
-                <a:r>
-                  <a:rPr lang="en-US" altLang="zh-CN" sz="1400" b="0" dirty="0">
-                    <a:latin typeface="+mn-lt"/>
-                    <a:ea typeface="+mn-ea"/>
-                    <a:sym typeface="+mn-lt"/>
-                  </a:rPr>
-                  <a:t>player1</a:t>
-                </a:r>
-                <a:r>
-                  <a:rPr lang="zh-CN" altLang="en-US" sz="1400" b="0" dirty="0">
-                    <a:latin typeface="+mn-lt"/>
-                    <a:ea typeface="+mn-ea"/>
-                    <a:sym typeface="+mn-lt"/>
-                  </a:rPr>
-                  <a:t>拖到状态机</a:t>
-                </a:r>
-                <a:endParaRPr lang="en-US" altLang="zh-CN" sz="1400" b="0" dirty="0">
-                  <a:latin typeface="+mn-lt"/>
-                  <a:ea typeface="+mn-ea"/>
-                  <a:sym typeface="+mn-lt"/>
-                </a:endParaRPr>
-              </a:p>
-              <a:p>
-                <a:pPr marL="342900" indent="-342900">
-                  <a:lnSpc>
-                    <a:spcPct val="150000"/>
-                  </a:lnSpc>
-                  <a:buAutoNum type="arabicPeriod"/>
-                </a:pPr>
-                <a:r>
-                  <a:rPr lang="zh-CN" altLang="en-US" sz="1400" b="0" dirty="0">
-                    <a:latin typeface="+mn-lt"/>
-                    <a:ea typeface="+mn-ea"/>
-                    <a:sym typeface="+mn-lt"/>
-                  </a:rPr>
-                  <a:t>把</a:t>
-                </a:r>
-                <a:r>
-                  <a:rPr lang="en-US" altLang="zh-CN" sz="1400" b="0" dirty="0">
-                    <a:latin typeface="+mn-lt"/>
-                    <a:ea typeface="+mn-ea"/>
-                    <a:sym typeface="+mn-lt"/>
-                  </a:rPr>
-                  <a:t>dying</a:t>
-                </a:r>
-                <a:r>
-                  <a:rPr lang="zh-CN" altLang="en-US" sz="1400" b="0" dirty="0">
-                    <a:latin typeface="+mn-lt"/>
-                    <a:ea typeface="+mn-ea"/>
-                    <a:sym typeface="+mn-lt"/>
-                  </a:rPr>
-                  <a:t>动画拖走，观察</a:t>
-                </a:r>
-                <a:r>
-                  <a:rPr lang="en-US" altLang="zh-CN" sz="1400" b="0" dirty="0" err="1">
-                    <a:latin typeface="+mn-lt"/>
-                    <a:ea typeface="+mn-ea"/>
-                    <a:sym typeface="+mn-lt"/>
-                  </a:rPr>
-                  <a:t>valut</a:t>
-                </a:r>
-                <a:r>
-                  <a:rPr lang="zh-CN" altLang="en-US" sz="1400" b="0" dirty="0">
-                    <a:latin typeface="+mn-lt"/>
-                    <a:ea typeface="+mn-ea"/>
-                    <a:sym typeface="+mn-lt"/>
-                  </a:rPr>
-                  <a:t>动画。通过设置</a:t>
-                </a:r>
-                <a:r>
-                  <a:rPr lang="en-US" altLang="zh-CN" sz="1400" b="0" dirty="0">
-                    <a:latin typeface="+mn-lt"/>
-                    <a:ea typeface="+mn-ea"/>
-                    <a:sym typeface="+mn-lt"/>
-                  </a:rPr>
-                  <a:t>pre-Extrapolate</a:t>
-                </a:r>
-                <a:r>
-                  <a:rPr lang="zh-CN" altLang="en-US" sz="1400" b="0" dirty="0">
-                    <a:latin typeface="+mn-lt"/>
-                    <a:ea typeface="+mn-ea"/>
-                    <a:sym typeface="+mn-lt"/>
-                  </a:rPr>
-                  <a:t>和</a:t>
-                </a:r>
-                <a:r>
-                  <a:rPr lang="en-US" altLang="zh-CN" sz="1400" b="0" dirty="0">
-                    <a:latin typeface="+mn-lt"/>
-                    <a:ea typeface="+mn-ea"/>
-                    <a:sym typeface="+mn-lt"/>
-                  </a:rPr>
-                  <a:t>post</a:t>
-                </a:r>
-                <a:r>
-                  <a:rPr lang="en-US" altLang="zh-CN" b="0" dirty="0">
-                    <a:sym typeface="+mn-lt"/>
-                  </a:rPr>
-                  <a:t>-Extrapolate</a:t>
-                </a:r>
-                <a:r>
-                  <a:rPr lang="zh-CN" altLang="en-US" b="0" dirty="0">
-                    <a:sym typeface="+mn-lt"/>
-                  </a:rPr>
-                  <a:t>状态观察效果</a:t>
-                </a:r>
-                <a:endParaRPr lang="en-US" altLang="zh-CN" b="0" dirty="0">
-                  <a:sym typeface="+mn-lt"/>
-                </a:endParaRPr>
-              </a:p>
-              <a:p>
-                <a:pPr marL="342900" indent="-342900">
-                  <a:lnSpc>
-                    <a:spcPct val="150000"/>
-                  </a:lnSpc>
-                  <a:buAutoNum type="arabicPeriod"/>
                 </a:pPr>
                 <a:r>
                   <a:rPr lang="en-US" altLang="zh-CN" b="0" dirty="0">
@@ -6554,7 +8180,7 @@
                     <a:ea typeface="+mn-ea"/>
                     <a:sym typeface="+mn-lt"/>
                   </a:rPr>
-                  <a:t>None:</a:t>
+                  <a:t>    None:</a:t>
                 </a:r>
                 <a:r>
                   <a:rPr lang="zh-CN" altLang="en-US" b="0" dirty="0">
@@ -6578,7 +8204,55 @@
                     <a:ea typeface="+mn-ea"/>
                     <a:sym typeface="+mn-lt"/>
                   </a:rPr>
-                  <a:t>状态（默认），</a:t>
+                  <a:t>状态（或默认（</a:t>
+                </a:r>
+                <a:r>
+                  <a:rPr lang="en-US" altLang="zh-CN" b="0" dirty="0">
+                    <a:latin typeface="+mn-lt"/>
+                    <a:ea typeface="+mn-ea"/>
+                    <a:sym typeface="+mn-lt"/>
+                  </a:rPr>
+                  <a:t>0</a:t>
+                </a:r>
+                <a:r>
+                  <a:rPr lang="zh-CN" altLang="en-US" b="0" dirty="0">
+                    <a:latin typeface="+mn-lt"/>
+                    <a:ea typeface="+mn-ea"/>
+                    <a:sym typeface="+mn-lt"/>
+                  </a:rPr>
+                  <a:t>，</a:t>
+                </a:r>
+                <a:r>
+                  <a:rPr lang="en-US" altLang="zh-CN" b="0" dirty="0">
+                    <a:latin typeface="+mn-lt"/>
+                    <a:ea typeface="+mn-ea"/>
+                    <a:sym typeface="+mn-lt"/>
+                  </a:rPr>
+                  <a:t>0</a:t>
+                </a:r>
+                <a:r>
+                  <a:rPr lang="zh-CN" altLang="en-US" b="0" dirty="0">
+                    <a:latin typeface="+mn-lt"/>
+                    <a:ea typeface="+mn-ea"/>
+                    <a:sym typeface="+mn-lt"/>
+                  </a:rPr>
+                  <a:t>，</a:t>
+                </a:r>
+                <a:r>
+                  <a:rPr lang="en-US" altLang="zh-CN" b="0" dirty="0">
+                    <a:latin typeface="+mn-lt"/>
+                    <a:ea typeface="+mn-ea"/>
+                    <a:sym typeface="+mn-lt"/>
+                  </a:rPr>
+                  <a:t>0</a:t>
+                </a:r>
+                <a:r>
+                  <a:rPr lang="zh-CN" altLang="en-US" b="0" dirty="0">
+                    <a:latin typeface="+mn-lt"/>
+                    <a:ea typeface="+mn-ea"/>
+                    <a:sym typeface="+mn-lt"/>
+                  </a:rPr>
+                  <a:t>）），</a:t>
                 </a:r>
                 <a:r>
                   <a:rPr lang="en-US" altLang="zh-CN" b="0" dirty="0">
@@ -6662,11 +8336,67 @@
                     <a:ea typeface="+mn-ea"/>
                     <a:sym typeface="+mn-lt"/>
                   </a:rPr>
-                  <a:t>执行完一次动画后停止，保持不动，直到遇到动画开始执行。 </a:t>
+                  <a:t>执行完一次动画后停止，保持不动，直到遇到动画开始执行。</a:t>
                 </a:r>
                 <a:endParaRPr lang="en-US" altLang="zh-CN" b="0" dirty="0">
                   <a:latin typeface="+mn-lt"/>
                   <a:ea typeface="+mn-ea"/>
+                  <a:sym typeface="+mn-lt"/>
+                </a:endParaRPr>
+              </a:p>
+              <a:p>
+                <a:pPr>
+                  <a:lnSpc>
+                    <a:spcPct val="150000"/>
+                  </a:lnSpc>
+                </a:pPr>
+                <a:endParaRPr lang="en-US" altLang="zh-CN" b="0" dirty="0">
+                  <a:latin typeface="+mn-lt"/>
+                  <a:ea typeface="+mn-ea"/>
+                  <a:sym typeface="+mn-lt"/>
+                </a:endParaRPr>
+              </a:p>
+              <a:p>
+                <a:pPr>
+                  <a:lnSpc>
+                    <a:spcPct val="150000"/>
+                  </a:lnSpc>
+                </a:pPr>
+                <a:r>
+                  <a:rPr lang="en-US" altLang="zh-CN" b="0" dirty="0">
+                    <a:latin typeface="+mn-lt"/>
+                    <a:ea typeface="+mn-ea"/>
+                    <a:sym typeface="+mn-lt"/>
+                  </a:rPr>
+                  <a:t>2.post-</a:t>
+                </a:r>
+                <a:r>
+                  <a:rPr lang="en-US" altLang="zh-CN" sz="1400" b="0" dirty="0">
+                    <a:sym typeface="+mn-lt"/>
+                  </a:rPr>
+                  <a:t>extrapolate </a:t>
+                </a:r>
+                <a:r>
+                  <a:rPr lang="zh-CN" altLang="en-US" sz="1400" b="0" dirty="0">
+                    <a:sym typeface="+mn-lt"/>
+                  </a:rPr>
+                  <a:t>指的是动画播放完后的操作 与</a:t>
+                </a:r>
+                <a:r>
+                  <a:rPr lang="en-US" altLang="zh-CN" sz="1400" b="0" dirty="0">
+                    <a:sym typeface="+mn-lt"/>
+                  </a:rPr>
+                  <a:t>Pre-extrapolate</a:t>
+                </a:r>
+                <a:r>
+                  <a:rPr lang="zh-CN" altLang="en-US" sz="1400" b="0" dirty="0">
+                    <a:latin typeface="+mn-lt"/>
+                    <a:ea typeface="+mn-ea"/>
+                    <a:sym typeface="+mn-lt"/>
+                  </a:rPr>
+                  <a:t>类似</a:t>
+                </a:r>
+                <a:endParaRPr lang="en-US" altLang="zh-CN" sz="1400" b="0" dirty="0">
                   <a:sym typeface="+mn-lt"/>
                 </a:endParaRPr>
               </a:p>
@@ -6760,7 +8490,7 @@
                     <a:cs typeface="+mn-ea"/>
                     <a:sym typeface="+mn-lt"/>
                   </a:rPr>
-                  <a:t>人形演示</a:t>
+                  <a:t>物体演示</a:t>
                 </a:r>
                 <a:endParaRPr lang="tr-TR" sz="2800" b="1" dirty="0">
                   <a:solidFill>
@@ -7380,7 +9110,7 @@
 </p:sld>
 </file>
 
-<file path=ppt/slides/slide5.xml><?xml version="1.0" encoding="utf-8"?>
+<file path=ppt/slides/slide7.xml><?xml version="1.0" encoding="utf-8"?>
 <p:sld xmlns:a="http://schemas.openxmlformats.org/drawingml/2006/main" xmlns:r="http://schemas.openxmlformats.org/officeDocument/2006/relationships" xmlns:p="http://schemas.openxmlformats.org/presentationml/2006/main">
   <p:cSld>
     <p:spTree>
@@ -7428,7 +9158,7 @@
           <a:graphicData uri="http://schemas.openxmlformats.org/presentationml/2006/ole">
             <mc:AlternateContent xmlns:mc="http://schemas.openxmlformats.org/markup-compatibility/2006">
               <mc:Choice xmlns:v="urn:schemas-microsoft-com:vml" Requires="v">
-                <p:oleObj spid="_x0000_s3166" name="think-cell Slide" r:id="rId6" imgW="347" imgH="348" progId="TCLayout.ActiveDocument.1">
+                <p:oleObj spid="_x0000_s3191" name="think-cell Slide" r:id="rId6" imgW="347" imgH="348" progId="TCLayout.ActiveDocument.1">
                   <p:embed/>
                 </p:oleObj>
               </mc:Choice>
@@ -7633,6 +9363,12 @@
 </p:tagLst>
 </file>
 
+<file path=ppt/tags/tag10.xml><?xml version="1.0" encoding="utf-8"?>
+<p:tagLst xmlns:a="http://schemas.openxmlformats.org/drawingml/2006/main" xmlns:r="http://schemas.openxmlformats.org/officeDocument/2006/relationships" xmlns:p="http://schemas.openxmlformats.org/presentationml/2006/main">
+  <p:tag name="THINKCELLSHAPEDONOTDELETE" val="t1Smkff3fSzGMOuItfjj3Fw"/>
+</p:tagLst>
+</file>
+
 <file path=ppt/tags/tag2.xml><?xml version="1.0" encoding="utf-8"?>
 <p:tagLst xmlns:a="http://schemas.openxmlformats.org/drawingml/2006/main" xmlns:r="http://schemas.openxmlformats.org/officeDocument/2006/relationships" xmlns:p="http://schemas.openxmlformats.org/presentationml/2006/main">
   <p:tag name="THINKCELLSHAPEDONOTDELETE" val="thinkcellActiveDocDoNotDelete"/>
@@ -7665,13 +9401,19 @@
 
 <file path=ppt/tags/tag7.xml><?xml version="1.0" encoding="utf-8"?>
 <p:tagLst xmlns:a="http://schemas.openxmlformats.org/drawingml/2006/main" xmlns:r="http://schemas.openxmlformats.org/officeDocument/2006/relationships" xmlns:p="http://schemas.openxmlformats.org/presentationml/2006/main">
-  <p:tag name="THINKCELLSHAPEDONOTDELETE" val="thinkcellActiveDocDoNotDelete"/>
+  <p:tag name="ISLIDE.DIAGRAM" val="2b751056-6b97-492c-b763-340acee7e99d"/>
 </p:tagLst>
 </file>
 
 <file path=ppt/tags/tag8.xml><?xml version="1.0" encoding="utf-8"?>
 <p:tagLst xmlns:a="http://schemas.openxmlformats.org/drawingml/2006/main" xmlns:r="http://schemas.openxmlformats.org/officeDocument/2006/relationships" xmlns:p="http://schemas.openxmlformats.org/presentationml/2006/main">
-  <p:tag name="THINKCELLSHAPEDONOTDELETE" val="t1Smkff3fSzGMOuItfjj3Fw"/>
+  <p:tag name="ISLIDE.DIAGRAM" val="2b751056-6b97-492c-b763-340acee7e99d"/>
+</p:tagLst>
+</file>
+
+<file path=ppt/tags/tag9.xml><?xml version="1.0" encoding="utf-8"?>
+<p:tagLst xmlns:a="http://schemas.openxmlformats.org/drawingml/2006/main" xmlns:r="http://schemas.openxmlformats.org/officeDocument/2006/relationships" xmlns:p="http://schemas.openxmlformats.org/presentationml/2006/main">
+  <p:tag name="THINKCELLSHAPEDONOTDELETE" val="thinkcellActiveDocDoNotDelete"/>
 </p:tagLst>
 </file>
 
